--- a/2022-09-27/documents/CH_03, 04_파이썬 기초_실습3, 사용자 인터페이스 및 IO처리.pptx
+++ b/2022-09-27/documents/CH_03, 04_파이썬 기초_실습3, 사용자 인터페이스 및 IO처리.pptx
@@ -5,10 +5,10 @@
     <p:sldMasterId id="2147483970" r:id="rId1"/>
   </p:sldMasterIdLst>
   <p:notesMasterIdLst>
-    <p:notesMasterId r:id="rId25"/>
+    <p:notesMasterId r:id="rId28"/>
   </p:notesMasterIdLst>
   <p:handoutMasterIdLst>
-    <p:handoutMasterId r:id="rId26"/>
+    <p:handoutMasterId r:id="rId29"/>
   </p:handoutMasterIdLst>
   <p:sldIdLst>
     <p:sldId id="256" r:id="rId2"/>
@@ -34,6 +34,9 @@
     <p:sldId id="400" r:id="rId22"/>
     <p:sldId id="401" r:id="rId23"/>
     <p:sldId id="403" r:id="rId24"/>
+    <p:sldId id="404" r:id="rId25"/>
+    <p:sldId id="405" r:id="rId26"/>
+    <p:sldId id="406" r:id="rId27"/>
   </p:sldIdLst>
   <p:sldSz cx="9144000" cy="5715000" type="screen16x10"/>
   <p:notesSz cx="7104063" cy="10234613"/>
@@ -18985,8 +18988,8 @@
         </p:nvSpPr>
         <p:spPr>
           <a:xfrm>
-            <a:off x="827584" y="1929348"/>
-            <a:ext cx="4464496" cy="3293209"/>
+            <a:off x="827584" y="2065412"/>
+            <a:ext cx="7200800" cy="338554"/>
           </a:xfrm>
           <a:prstGeom prst="rect">
             <a:avLst/>
@@ -18999,319 +19002,82 @@
           <a:lstStyle/>
           <a:p>
             <a:r>
-              <a:rPr lang="en-US" altLang="ko-KR" sz="1600" b="0" dirty="0">
-                <a:solidFill>
-                  <a:srgbClr val="CC9B00"/>
-                </a:solidFill>
-                <a:effectLst/>
-                <a:latin typeface="ubuntu mono derivative powerline" panose="020B0509030602030204" pitchFamily="49" charset="0"/>
-              </a:rPr>
-              <a:t>import</a:t>
-            </a:r>
-            <a:r>
-              <a:rPr lang="en-US" altLang="ko-KR" sz="1600" b="0" dirty="0">
-                <a:effectLst/>
-                <a:latin typeface="ubuntu mono derivative powerline" panose="020B0509030602030204" pitchFamily="49" charset="0"/>
-              </a:rPr>
-              <a:t> </a:t>
+              <a:rPr lang="en-US" altLang="ko-KR" sz="1600" dirty="0">
+                <a:solidFill>
+                  <a:srgbClr val="7030A0"/>
+                </a:solidFill>
+                <a:latin typeface="ubuntu mono derivative powerline" panose="020B0509030602030204" pitchFamily="49" charset="0"/>
+              </a:rPr>
+              <a:t>c</a:t>
+            </a:r>
+            <a:r>
+              <a:rPr lang="en-US" altLang="ko-KR" sz="1600" b="0" dirty="0">
+                <a:solidFill>
+                  <a:srgbClr val="7030A0"/>
+                </a:solidFill>
+                <a:effectLst/>
+                <a:latin typeface="ubuntu mono derivative powerline" panose="020B0509030602030204" pitchFamily="49" charset="0"/>
+              </a:rPr>
+              <a:t>v2</a:t>
+            </a:r>
+            <a:r>
+              <a:rPr lang="en-US" altLang="ko-KR" sz="1600" b="0" dirty="0">
+                <a:effectLst/>
+                <a:latin typeface="ubuntu mono derivative powerline" panose="020B0509030602030204" pitchFamily="49" charset="0"/>
+              </a:rPr>
+              <a:t>.</a:t>
+            </a:r>
+            <a:r>
+              <a:rPr lang="en-US" altLang="ko-KR" sz="1600" b="0" dirty="0">
+                <a:solidFill>
+                  <a:srgbClr val="0000FF"/>
+                </a:solidFill>
+                <a:effectLst/>
+                <a:latin typeface="ubuntu mono derivative powerline" panose="020B0509030602030204" pitchFamily="49" charset="0"/>
+              </a:rPr>
+              <a:t>createTrackbar</a:t>
+            </a:r>
+            <a:r>
+              <a:rPr lang="en-US" altLang="ko-KR" sz="1600" b="0" dirty="0">
+                <a:effectLst/>
+                <a:latin typeface="ubuntu mono derivative powerline" panose="020B0509030602030204" pitchFamily="49" charset="0"/>
+              </a:rPr>
+              <a:t>(</a:t>
             </a:r>
             <a:r>
               <a:rPr lang="en-US" altLang="ko-KR" sz="1600" b="0" dirty="0" err="1">
-                <a:solidFill>
-                  <a:srgbClr val="7030A0"/>
-                </a:solidFill>
-                <a:effectLst/>
-                <a:latin typeface="ubuntu mono derivative powerline" panose="020B0509030602030204" pitchFamily="49" charset="0"/>
-              </a:rPr>
-              <a:t>numpy</a:t>
-            </a:r>
-            <a:r>
-              <a:rPr lang="en-US" altLang="ko-KR" sz="1600" b="0" dirty="0">
-                <a:effectLst/>
-                <a:latin typeface="ubuntu mono derivative powerline" panose="020B0509030602030204" pitchFamily="49" charset="0"/>
-              </a:rPr>
-              <a:t> </a:t>
-            </a:r>
-            <a:r>
-              <a:rPr lang="en-US" altLang="ko-KR" sz="1600" b="0" dirty="0">
-                <a:solidFill>
-                  <a:srgbClr val="CC9B00"/>
-                </a:solidFill>
-                <a:effectLst/>
-                <a:latin typeface="ubuntu mono derivative powerline" panose="020B0509030602030204" pitchFamily="49" charset="0"/>
-              </a:rPr>
-              <a:t>as</a:t>
-            </a:r>
-            <a:r>
-              <a:rPr lang="en-US" altLang="ko-KR" sz="1600" b="0" dirty="0">
-                <a:effectLst/>
-                <a:latin typeface="ubuntu mono derivative powerline" panose="020B0509030602030204" pitchFamily="49" charset="0"/>
-              </a:rPr>
-              <a:t> </a:t>
-            </a:r>
-            <a:r>
-              <a:rPr lang="en-US" altLang="ko-KR" sz="1600" b="0" dirty="0">
-                <a:solidFill>
-                  <a:srgbClr val="7030A0"/>
-                </a:solidFill>
-                <a:effectLst/>
-                <a:latin typeface="ubuntu mono derivative powerline" panose="020B0509030602030204" pitchFamily="49" charset="0"/>
-              </a:rPr>
-              <a:t>np</a:t>
-            </a:r>
-          </a:p>
-          <a:p>
-            <a:r>
-              <a:rPr lang="en-US" altLang="ko-KR" sz="1600" b="0" dirty="0">
-                <a:solidFill>
-                  <a:srgbClr val="CC9B00"/>
-                </a:solidFill>
-                <a:effectLst/>
-                <a:latin typeface="ubuntu mono derivative powerline" panose="020B0509030602030204" pitchFamily="49" charset="0"/>
-              </a:rPr>
-              <a:t>import</a:t>
-            </a:r>
-            <a:r>
-              <a:rPr lang="en-US" altLang="ko-KR" sz="1600" b="0" dirty="0">
-                <a:effectLst/>
-                <a:latin typeface="ubuntu mono derivative powerline" panose="020B0509030602030204" pitchFamily="49" charset="0"/>
-              </a:rPr>
-              <a:t> </a:t>
-            </a:r>
-            <a:r>
-              <a:rPr lang="en-US" altLang="ko-KR" sz="1600" b="0" dirty="0">
-                <a:solidFill>
-                  <a:srgbClr val="7030A0"/>
-                </a:solidFill>
-                <a:effectLst/>
-                <a:latin typeface="ubuntu mono derivative powerline" panose="020B0509030602030204" pitchFamily="49" charset="0"/>
-              </a:rPr>
-              <a:t>cv2</a:t>
-            </a:r>
-          </a:p>
-          <a:p>
-            <a:br>
-              <a:rPr lang="en-US" altLang="ko-KR" sz="1600" b="0" dirty="0">
-                <a:effectLst/>
-                <a:latin typeface="ubuntu mono derivative powerline" panose="020B0509030602030204" pitchFamily="49" charset="0"/>
-              </a:rPr>
-            </a:br>
-            <a:r>
-              <a:rPr lang="en-US" altLang="ko-KR" sz="1600" b="0" dirty="0">
-                <a:effectLst/>
-                <a:latin typeface="ubuntu mono derivative powerline" panose="020B0509030602030204" pitchFamily="49" charset="0"/>
-              </a:rPr>
-              <a:t>def </a:t>
+                <a:effectLst/>
+                <a:latin typeface="ubuntu mono derivative powerline" panose="020B0509030602030204" pitchFamily="49" charset="0"/>
+              </a:rPr>
+              <a:t>trackbarName</a:t>
+            </a:r>
+            <a:r>
+              <a:rPr lang="en-US" altLang="ko-KR" sz="1600" b="0" dirty="0">
+                <a:effectLst/>
+                <a:latin typeface="ubuntu mono derivative powerline" panose="020B0509030602030204" pitchFamily="49" charset="0"/>
+              </a:rPr>
+              <a:t>, </a:t>
             </a:r>
             <a:r>
               <a:rPr lang="en-US" altLang="ko-KR" sz="1600" b="0" dirty="0" err="1">
-                <a:solidFill>
-                  <a:srgbClr val="0000FF"/>
-                </a:solidFill>
-                <a:effectLst/>
-                <a:latin typeface="ubuntu mono derivative powerline" panose="020B0509030602030204" pitchFamily="49" charset="0"/>
-              </a:rPr>
-              <a:t>onMouse</a:t>
-            </a:r>
-            <a:r>
-              <a:rPr lang="en-US" altLang="ko-KR" sz="1600" b="0" dirty="0">
-                <a:effectLst/>
-                <a:latin typeface="ubuntu mono derivative powerline" panose="020B0509030602030204" pitchFamily="49" charset="0"/>
-              </a:rPr>
-              <a:t>(event, x, y, flags, param):</a:t>
-            </a:r>
-          </a:p>
-          <a:p>
-            <a:r>
-              <a:rPr lang="en-US" altLang="ko-KR" sz="1600" b="0" dirty="0">
-                <a:effectLst/>
-                <a:latin typeface="ubuntu mono derivative powerline" panose="020B0509030602030204" pitchFamily="49" charset="0"/>
-              </a:rPr>
-              <a:t>    </a:t>
-            </a:r>
-            <a:r>
-              <a:rPr lang="en-US" altLang="ko-KR" sz="1600" b="0" dirty="0">
-                <a:solidFill>
-                  <a:srgbClr val="0000FF"/>
-                </a:solidFill>
-                <a:effectLst/>
-                <a:latin typeface="ubuntu mono derivative powerline" panose="020B0509030602030204" pitchFamily="49" charset="0"/>
-              </a:rPr>
-              <a:t>print</a:t>
-            </a:r>
-            <a:r>
-              <a:rPr lang="en-US" altLang="ko-KR" sz="1600" b="0" dirty="0">
-                <a:effectLst/>
-                <a:latin typeface="ubuntu mono derivative powerline" panose="020B0509030602030204" pitchFamily="49" charset="0"/>
-              </a:rPr>
-              <a:t>(event, x, y, flags, param)</a:t>
-            </a:r>
-          </a:p>
-          <a:p>
-            <a:br>
-              <a:rPr lang="en-US" altLang="ko-KR" sz="1600" b="0" dirty="0">
-                <a:effectLst/>
-                <a:latin typeface="ubuntu mono derivative powerline" panose="020B0509030602030204" pitchFamily="49" charset="0"/>
-              </a:rPr>
-            </a:br>
-            <a:r>
-              <a:rPr lang="en-US" altLang="ko-KR" sz="1600" b="0" dirty="0">
-                <a:effectLst/>
-                <a:latin typeface="ubuntu mono derivative powerline" panose="020B0509030602030204" pitchFamily="49" charset="0"/>
-              </a:rPr>
-              <a:t>image = </a:t>
+                <a:effectLst/>
+                <a:latin typeface="ubuntu mono derivative powerline" panose="020B0509030602030204" pitchFamily="49" charset="0"/>
+              </a:rPr>
+              <a:t>windowName</a:t>
+            </a:r>
+            <a:r>
+              <a:rPr lang="en-US" altLang="ko-KR" sz="1600" b="0" dirty="0">
+                <a:effectLst/>
+                <a:latin typeface="ubuntu mono derivative powerline" panose="020B0509030602030204" pitchFamily="49" charset="0"/>
+              </a:rPr>
+              <a:t>, value, count, </a:t>
             </a:r>
             <a:r>
               <a:rPr lang="en-US" altLang="ko-KR" sz="1600" b="0" dirty="0" err="1">
-                <a:solidFill>
-                  <a:srgbClr val="7030A0"/>
-                </a:solidFill>
-                <a:effectLst/>
-                <a:latin typeface="ubuntu mono derivative powerline" panose="020B0509030602030204" pitchFamily="49" charset="0"/>
-              </a:rPr>
-              <a:t>np</a:t>
-            </a:r>
-            <a:r>
-              <a:rPr lang="en-US" altLang="ko-KR" sz="1600" b="0" dirty="0" err="1">
-                <a:effectLst/>
-                <a:latin typeface="ubuntu mono derivative powerline" panose="020B0509030602030204" pitchFamily="49" charset="0"/>
-              </a:rPr>
-              <a:t>.</a:t>
-            </a:r>
-            <a:r>
-              <a:rPr lang="en-US" altLang="ko-KR" sz="1600" b="0" dirty="0" err="1">
-                <a:solidFill>
-                  <a:srgbClr val="0000FF"/>
-                </a:solidFill>
-                <a:effectLst/>
-                <a:latin typeface="ubuntu mono derivative powerline" panose="020B0509030602030204" pitchFamily="49" charset="0"/>
-              </a:rPr>
-              <a:t>full</a:t>
-            </a:r>
-            <a:r>
-              <a:rPr lang="en-US" altLang="ko-KR" sz="1600" b="0" dirty="0">
-                <a:effectLst/>
-                <a:latin typeface="ubuntu mono derivative powerline" panose="020B0509030602030204" pitchFamily="49" charset="0"/>
-              </a:rPr>
-              <a:t>((200, 300), 255, </a:t>
-            </a:r>
-            <a:r>
-              <a:rPr lang="en-US" altLang="ko-KR" sz="1600" b="0" dirty="0">
-                <a:solidFill>
-                  <a:srgbClr val="7030A0"/>
-                </a:solidFill>
-                <a:effectLst/>
-                <a:latin typeface="ubuntu mono derivative powerline" panose="020B0509030602030204" pitchFamily="49" charset="0"/>
-              </a:rPr>
-              <a:t>np</a:t>
-            </a:r>
-            <a:r>
-              <a:rPr lang="en-US" altLang="ko-KR" sz="1600" b="0" dirty="0">
-                <a:effectLst/>
-                <a:latin typeface="ubuntu mono derivative powerline" panose="020B0509030602030204" pitchFamily="49" charset="0"/>
-              </a:rPr>
-              <a:t>.uint8)</a:t>
-            </a:r>
-          </a:p>
-          <a:p>
-            <a:br>
-              <a:rPr lang="en-US" altLang="ko-KR" sz="1600" b="0" dirty="0">
-                <a:effectLst/>
-                <a:latin typeface="ubuntu mono derivative powerline" panose="020B0509030602030204" pitchFamily="49" charset="0"/>
-              </a:rPr>
-            </a:br>
-            <a:r>
-              <a:rPr lang="en-US" altLang="ko-KR" sz="1600" b="0" dirty="0">
-                <a:effectLst/>
-                <a:latin typeface="ubuntu mono derivative powerline" panose="020B0509030602030204" pitchFamily="49" charset="0"/>
-              </a:rPr>
-              <a:t>title1 = “Mouse Event”</a:t>
-            </a:r>
-          </a:p>
-          <a:p>
-            <a:r>
-              <a:rPr lang="en-US" altLang="ko-KR" sz="1600" b="0" dirty="0">
-                <a:solidFill>
-                  <a:srgbClr val="7030A0"/>
-                </a:solidFill>
-                <a:effectLst/>
-                <a:latin typeface="ubuntu mono derivative powerline" panose="020B0509030602030204" pitchFamily="49" charset="0"/>
-              </a:rPr>
-              <a:t>Cv2</a:t>
-            </a:r>
-            <a:r>
-              <a:rPr lang="en-US" altLang="ko-KR" sz="1600" b="0" dirty="0">
-                <a:effectLst/>
-                <a:latin typeface="ubuntu mono derivative powerline" panose="020B0509030602030204" pitchFamily="49" charset="0"/>
-              </a:rPr>
-              <a:t>.</a:t>
-            </a:r>
-            <a:r>
-              <a:rPr lang="en-US" altLang="ko-KR" sz="1600" b="0" dirty="0">
-                <a:solidFill>
-                  <a:srgbClr val="0000FF"/>
-                </a:solidFill>
-                <a:effectLst/>
-                <a:latin typeface="ubuntu mono derivative powerline" panose="020B0509030602030204" pitchFamily="49" charset="0"/>
-              </a:rPr>
-              <a:t>imshow</a:t>
-            </a:r>
-            <a:r>
-              <a:rPr lang="en-US" altLang="ko-KR" sz="1600" b="0" dirty="0">
-                <a:effectLst/>
-                <a:latin typeface="ubuntu mono derivative powerline" panose="020B0509030602030204" pitchFamily="49" charset="0"/>
-              </a:rPr>
-              <a:t>(title1, image)</a:t>
-            </a:r>
-            <a:br>
-              <a:rPr lang="en-US" altLang="ko-KR" sz="1600" b="0" dirty="0">
-                <a:effectLst/>
-                <a:latin typeface="ubuntu mono derivative powerline" panose="020B0509030602030204" pitchFamily="49" charset="0"/>
-              </a:rPr>
-            </a:br>
-            <a:r>
-              <a:rPr lang="en-US" altLang="ko-KR" sz="1600" b="0" dirty="0">
-                <a:solidFill>
-                  <a:srgbClr val="7030A0"/>
-                </a:solidFill>
-                <a:effectLst/>
-                <a:latin typeface="ubuntu mono derivative powerline" panose="020B0509030602030204" pitchFamily="49" charset="0"/>
-              </a:rPr>
-              <a:t>cv2</a:t>
-            </a:r>
-            <a:r>
-              <a:rPr lang="en-US" altLang="ko-KR" sz="1600" b="0" dirty="0">
-                <a:effectLst/>
-                <a:latin typeface="ubuntu mono derivative powerline" panose="020B0509030602030204" pitchFamily="49" charset="0"/>
-              </a:rPr>
-              <a:t>.</a:t>
-            </a:r>
-            <a:r>
-              <a:rPr lang="en-US" altLang="ko-KR" sz="1600" b="0" dirty="0">
-                <a:solidFill>
-                  <a:srgbClr val="0000FF"/>
-                </a:solidFill>
-                <a:effectLst/>
-                <a:latin typeface="ubuntu mono derivative powerline" panose="020B0509030602030204" pitchFamily="49" charset="0"/>
-              </a:rPr>
-              <a:t>setMouseCallback</a:t>
-            </a:r>
-            <a:r>
-              <a:rPr lang="en-US" altLang="ko-KR" sz="1600" b="0" dirty="0">
-                <a:effectLst/>
-                <a:latin typeface="ubuntu mono derivative powerline" panose="020B0509030602030204" pitchFamily="49" charset="0"/>
-              </a:rPr>
-              <a:t>(title1, </a:t>
-            </a:r>
-            <a:r>
-              <a:rPr lang="en-US" altLang="ko-KR" sz="1600" b="0" dirty="0" err="1">
-                <a:solidFill>
-                  <a:srgbClr val="0000FF"/>
-                </a:solidFill>
-                <a:effectLst/>
-                <a:latin typeface="ubuntu mono derivative powerline" panose="020B0509030602030204" pitchFamily="49" charset="0"/>
-              </a:rPr>
-              <a:t>onMouse</a:t>
+                <a:effectLst/>
+                <a:latin typeface="ubuntu mono derivative powerline" panose="020B0509030602030204" pitchFamily="49" charset="0"/>
+              </a:rPr>
+              <a:t>onChange</a:t>
             </a:r>
             <a:r>
               <a:rPr lang="en-US" altLang="ko-KR" sz="1600" b="0" dirty="0">
@@ -19319,78 +19085,6 @@
                 <a:latin typeface="ubuntu mono derivative powerline" panose="020B0509030602030204" pitchFamily="49" charset="0"/>
               </a:rPr>
               <a:t>)</a:t>
-            </a:r>
-          </a:p>
-          <a:p>
-            <a:r>
-              <a:rPr lang="en-US" altLang="ko-KR" sz="1600" b="0" dirty="0">
-                <a:solidFill>
-                  <a:srgbClr val="7030A0"/>
-                </a:solidFill>
-                <a:effectLst/>
-                <a:latin typeface="ubuntu mono derivative powerline" panose="020B0509030602030204" pitchFamily="49" charset="0"/>
-              </a:rPr>
-              <a:t>Cv2</a:t>
-            </a:r>
-            <a:r>
-              <a:rPr lang="en-US" altLang="ko-KR" sz="1600" b="0" dirty="0">
-                <a:effectLst/>
-                <a:latin typeface="ubuntu mono derivative powerline" panose="020B0509030602030204" pitchFamily="49" charset="0"/>
-              </a:rPr>
-              <a:t>.</a:t>
-            </a:r>
-            <a:r>
-              <a:rPr lang="en-US" altLang="ko-KR" sz="1600" b="0" dirty="0">
-                <a:solidFill>
-                  <a:srgbClr val="0000FF"/>
-                </a:solidFill>
-                <a:effectLst/>
-                <a:latin typeface="ubuntu mono derivative powerline" panose="020B0509030602030204" pitchFamily="49" charset="0"/>
-              </a:rPr>
-              <a:t>waitKey</a:t>
-            </a:r>
-            <a:r>
-              <a:rPr lang="en-US" altLang="ko-KR" sz="1600" b="0" dirty="0">
-                <a:effectLst/>
-                <a:latin typeface="ubuntu mono derivative powerline" panose="020B0509030602030204" pitchFamily="49" charset="0"/>
-              </a:rPr>
-              <a:t>(0)</a:t>
-            </a:r>
-          </a:p>
-          <a:p>
-            <a:r>
-              <a:rPr lang="en-US" altLang="ko-KR" sz="1600" b="0" dirty="0">
-                <a:solidFill>
-                  <a:srgbClr val="7030A0"/>
-                </a:solidFill>
-                <a:effectLst/>
-                <a:latin typeface="ubuntu mono derivative powerline" panose="020B0509030602030204" pitchFamily="49" charset="0"/>
-              </a:rPr>
-              <a:t>Cv2</a:t>
-            </a:r>
-            <a:r>
-              <a:rPr lang="en-US" altLang="ko-KR" sz="1600" b="0" dirty="0">
-                <a:effectLst/>
-                <a:latin typeface="ubuntu mono derivative powerline" panose="020B0509030602030204" pitchFamily="49" charset="0"/>
-              </a:rPr>
-              <a:t>.</a:t>
-            </a:r>
-            <a:r>
-              <a:rPr lang="en-US" altLang="ko-KR" sz="1600" b="0" dirty="0">
-                <a:solidFill>
-                  <a:srgbClr val="0000FF"/>
-                </a:solidFill>
-                <a:effectLst/>
-                <a:latin typeface="ubuntu mono derivative powerline" panose="020B0509030602030204" pitchFamily="49" charset="0"/>
-              </a:rPr>
-              <a:t>destroyAllWindows</a:t>
-            </a:r>
-            <a:r>
-              <a:rPr lang="en-US" altLang="ko-KR" sz="1600" b="0" dirty="0">
-                <a:effectLst/>
-                <a:latin typeface="ubuntu mono derivative powerline" panose="020B0509030602030204" pitchFamily="49" charset="0"/>
-              </a:rPr>
-              <a:t>()</a:t>
             </a:r>
           </a:p>
         </p:txBody>
@@ -19409,8 +19103,8 @@
         </p:nvSpPr>
         <p:spPr>
           <a:xfrm>
-            <a:off x="5292080" y="1929348"/>
-            <a:ext cx="3744416" cy="2800767"/>
+            <a:off x="827584" y="2403966"/>
+            <a:ext cx="6047446" cy="1323439"/>
           </a:xfrm>
           <a:prstGeom prst="rect">
             <a:avLst/>
@@ -19422,6 +19116,51 @@
           </a:bodyPr>
           <a:lstStyle/>
           <a:p>
+            <a:r>
+              <a:rPr lang="en-US" altLang="ko-KR" sz="1600" dirty="0">
+                <a:solidFill>
+                  <a:srgbClr val="00B050"/>
+                </a:solidFill>
+                <a:latin typeface="ubuntu mono derivative powerline" panose="020B0509030602030204" pitchFamily="49" charset="0"/>
+              </a:rPr>
+              <a:t># </a:t>
+            </a:r>
+            <a:r>
+              <a:rPr lang="en-US" altLang="ko-KR" sz="1600" dirty="0" err="1">
+                <a:solidFill>
+                  <a:srgbClr val="00B050"/>
+                </a:solidFill>
+                <a:latin typeface="ubuntu mono derivative powerline" panose="020B0509030602030204" pitchFamily="49" charset="0"/>
+              </a:rPr>
+              <a:t>trackbarName</a:t>
+            </a:r>
+            <a:r>
+              <a:rPr lang="en-US" altLang="ko-KR" sz="1600" dirty="0">
+                <a:solidFill>
+                  <a:srgbClr val="00B050"/>
+                </a:solidFill>
+                <a:latin typeface="ubuntu mono derivative powerline" panose="020B0509030602030204" pitchFamily="49" charset="0"/>
+              </a:rPr>
+              <a:t>: </a:t>
+            </a:r>
+            <a:r>
+              <a:rPr lang="ko-KR" altLang="en-US" sz="1600" dirty="0" err="1">
+                <a:solidFill>
+                  <a:srgbClr val="00B050"/>
+                </a:solidFill>
+                <a:latin typeface="ubuntu mono derivative powerline" panose="020B0509030602030204" pitchFamily="49" charset="0"/>
+              </a:rPr>
+              <a:t>트랙바</a:t>
+            </a:r>
+            <a:r>
+              <a:rPr lang="ko-KR" altLang="en-US" sz="1600" dirty="0">
+                <a:solidFill>
+                  <a:srgbClr val="00B050"/>
+                </a:solidFill>
+                <a:latin typeface="ubuntu mono derivative powerline" panose="020B0509030602030204" pitchFamily="49" charset="0"/>
+              </a:rPr>
+              <a:t> 이름</a:t>
+            </a:r>
             <a:endParaRPr lang="en-US" altLang="ko-KR" sz="1600" dirty="0">
               <a:solidFill>
                 <a:srgbClr val="00B050"/>
@@ -19430,6 +19169,42 @@
             </a:endParaRPr>
           </a:p>
           <a:p>
+            <a:r>
+              <a:rPr lang="en-US" altLang="ko-KR" sz="1600" dirty="0">
+                <a:solidFill>
+                  <a:srgbClr val="00B050"/>
+                </a:solidFill>
+                <a:latin typeface="ubuntu mono derivative powerline" panose="020B0509030602030204" pitchFamily="49" charset="0"/>
+              </a:rPr>
+              <a:t># </a:t>
+            </a:r>
+            <a:r>
+              <a:rPr lang="en-US" altLang="ko-KR" sz="1600" dirty="0" err="1">
+                <a:solidFill>
+                  <a:srgbClr val="00B050"/>
+                </a:solidFill>
+                <a:latin typeface="ubuntu mono derivative powerline" panose="020B0509030602030204" pitchFamily="49" charset="0"/>
+              </a:rPr>
+              <a:t>windowName</a:t>
+            </a:r>
+            <a:r>
+              <a:rPr lang="en-US" altLang="ko-KR" sz="1600" dirty="0">
+                <a:solidFill>
+                  <a:srgbClr val="00B050"/>
+                </a:solidFill>
+                <a:latin typeface="ubuntu mono derivative powerline" panose="020B0509030602030204" pitchFamily="49" charset="0"/>
+              </a:rPr>
+              <a:t>: </a:t>
+            </a:r>
+            <a:r>
+              <a:rPr lang="ko-KR" altLang="en-US" sz="1600" dirty="0">
+                <a:solidFill>
+                  <a:srgbClr val="00B050"/>
+                </a:solidFill>
+                <a:latin typeface="ubuntu mono derivative powerline" panose="020B0509030602030204" pitchFamily="49" charset="0"/>
+              </a:rPr>
+              <a:t>트랙바를 생성할 창 이름</a:t>
+            </a:r>
             <a:endParaRPr lang="en-US" altLang="ko-KR" sz="1600" dirty="0">
               <a:solidFill>
                 <a:srgbClr val="00B050"/>
@@ -19438,6 +19213,33 @@
             </a:endParaRPr>
           </a:p>
           <a:p>
+            <a:r>
+              <a:rPr lang="en-US" altLang="ko-KR" sz="1600" dirty="0">
+                <a:solidFill>
+                  <a:srgbClr val="00B050"/>
+                </a:solidFill>
+                <a:latin typeface="ubuntu mono derivative powerline" panose="020B0509030602030204" pitchFamily="49" charset="0"/>
+              </a:rPr>
+              <a:t># value: </a:t>
+            </a:r>
+            <a:r>
+              <a:rPr lang="ko-KR" altLang="en-US" sz="1600" dirty="0" err="1">
+                <a:solidFill>
+                  <a:srgbClr val="00B050"/>
+                </a:solidFill>
+                <a:latin typeface="ubuntu mono derivative powerline" panose="020B0509030602030204" pitchFamily="49" charset="0"/>
+              </a:rPr>
+              <a:t>트랙바</a:t>
+            </a:r>
+            <a:r>
+              <a:rPr lang="ko-KR" altLang="en-US" sz="1600" dirty="0">
+                <a:solidFill>
+                  <a:srgbClr val="00B050"/>
+                </a:solidFill>
+                <a:latin typeface="ubuntu mono derivative powerline" panose="020B0509030602030204" pitchFamily="49" charset="0"/>
+              </a:rPr>
+              <a:t> 위치 초기값</a:t>
+            </a:r>
             <a:endParaRPr lang="en-US" altLang="ko-KR" sz="1600" dirty="0">
               <a:solidFill>
                 <a:srgbClr val="00B050"/>
@@ -19453,25 +19255,16 @@
                 </a:solidFill>
                 <a:latin typeface="ubuntu mono derivative powerline" panose="020B0509030602030204" pitchFamily="49" charset="0"/>
               </a:rPr>
-              <a:t># </a:t>
-            </a:r>
-            <a:r>
-              <a:rPr lang="en-US" altLang="ko-KR" sz="1600" dirty="0" err="1">
-                <a:solidFill>
-                  <a:srgbClr val="00B050"/>
-                </a:solidFill>
-                <a:latin typeface="ubuntu mono derivative powerline" panose="020B0509030602030204" pitchFamily="49" charset="0"/>
-              </a:rPr>
-              <a:t>onMouse</a:t>
-            </a:r>
-            <a:r>
-              <a:rPr lang="en-US" altLang="ko-KR" sz="1600" dirty="0">
-                <a:solidFill>
-                  <a:srgbClr val="00B050"/>
-                </a:solidFill>
-                <a:latin typeface="ubuntu mono derivative powerline" panose="020B0509030602030204" pitchFamily="49" charset="0"/>
-              </a:rPr>
-              <a:t> </a:t>
+              <a:t># count: </a:t>
+            </a:r>
+            <a:r>
+              <a:rPr lang="ko-KR" altLang="en-US" sz="1600" dirty="0" err="1">
+                <a:solidFill>
+                  <a:srgbClr val="00B050"/>
+                </a:solidFill>
+                <a:latin typeface="ubuntu mono derivative powerline" panose="020B0509030602030204" pitchFamily="49" charset="0"/>
+              </a:rPr>
+              <a:t>트랙바</a:t>
             </a:r>
             <a:r>
               <a:rPr lang="ko-KR" altLang="en-US" sz="1600" dirty="0">
@@ -19480,7 +19273,7 @@
                 </a:solidFill>
                 <a:latin typeface="ubuntu mono derivative powerline" panose="020B0509030602030204" pitchFamily="49" charset="0"/>
               </a:rPr>
-              <a:t>함수에서 제공하는 이벤트</a:t>
+              <a:t> 최댓값</a:t>
             </a:r>
             <a:endParaRPr lang="en-US" altLang="ko-KR" sz="1600" dirty="0">
               <a:solidFill>
@@ -19500,13 +19293,58 @@
               <a:t># </a:t>
             </a:r>
             <a:r>
+              <a:rPr lang="en-US" altLang="ko-KR" sz="1600" dirty="0" err="1">
+                <a:solidFill>
+                  <a:srgbClr val="00B050"/>
+                </a:solidFill>
+                <a:latin typeface="ubuntu mono derivative powerline" panose="020B0509030602030204" pitchFamily="49" charset="0"/>
+              </a:rPr>
+              <a:t>onChange</a:t>
+            </a:r>
+            <a:r>
+              <a:rPr lang="en-US" altLang="ko-KR" sz="1600" dirty="0">
+                <a:solidFill>
+                  <a:srgbClr val="00B050"/>
+                </a:solidFill>
+                <a:latin typeface="ubuntu mono derivative powerline" panose="020B0509030602030204" pitchFamily="49" charset="0"/>
+              </a:rPr>
+              <a:t>: </a:t>
+            </a:r>
+            <a:r>
+              <a:rPr lang="ko-KR" altLang="en-US" sz="1600" dirty="0" err="1">
+                <a:solidFill>
+                  <a:srgbClr val="00B050"/>
+                </a:solidFill>
+                <a:latin typeface="ubuntu mono derivative powerline" panose="020B0509030602030204" pitchFamily="49" charset="0"/>
+              </a:rPr>
+              <a:t>트랙바</a:t>
+            </a:r>
+            <a:r>
               <a:rPr lang="ko-KR" altLang="en-US" sz="1600" dirty="0">
                 <a:solidFill>
                   <a:srgbClr val="00B050"/>
                 </a:solidFill>
                 <a:latin typeface="ubuntu mono derivative powerline" panose="020B0509030602030204" pitchFamily="49" charset="0"/>
               </a:rPr>
-              <a:t>출력을 통해 어떤 값이 나오나 보기</a:t>
+              <a:t> 위치가 변경될 때마다 호출할 </a:t>
+            </a:r>
+            <a:r>
+              <a:rPr lang="ko-KR" altLang="en-US" sz="1600" dirty="0" err="1">
+                <a:solidFill>
+                  <a:srgbClr val="00B050"/>
+                </a:solidFill>
+                <a:latin typeface="ubuntu mono derivative powerline" panose="020B0509030602030204" pitchFamily="49" charset="0"/>
+              </a:rPr>
+              <a:t>콜백</a:t>
+            </a:r>
+            <a:r>
+              <a:rPr lang="ko-KR" altLang="en-US" sz="1600" dirty="0">
+                <a:solidFill>
+                  <a:srgbClr val="00B050"/>
+                </a:solidFill>
+                <a:latin typeface="ubuntu mono derivative powerline" panose="020B0509030602030204" pitchFamily="49" charset="0"/>
+              </a:rPr>
+              <a:t> 함수</a:t>
             </a:r>
             <a:endParaRPr lang="en-US" altLang="ko-KR" sz="1600" dirty="0">
               <a:solidFill>
@@ -19515,128 +19353,68 @@
               <a:latin typeface="ubuntu mono derivative powerline" panose="020B0509030602030204" pitchFamily="49" charset="0"/>
             </a:endParaRPr>
           </a:p>
-          <a:p>
-            <a:endParaRPr lang="en-US" altLang="ko-KR" sz="1600" dirty="0">
-              <a:solidFill>
-                <a:srgbClr val="00B050"/>
-              </a:solidFill>
-              <a:latin typeface="ubuntu mono derivative powerline" panose="020B0509030602030204" pitchFamily="49" charset="0"/>
-            </a:endParaRPr>
-          </a:p>
-          <a:p>
-            <a:r>
-              <a:rPr lang="en-US" altLang="ko-KR" sz="1600" dirty="0">
-                <a:solidFill>
-                  <a:srgbClr val="00B050"/>
-                </a:solidFill>
-                <a:latin typeface="ubuntu mono derivative powerline" panose="020B0509030602030204" pitchFamily="49" charset="0"/>
-              </a:rPr>
-              <a:t># 255</a:t>
-            </a:r>
-            <a:r>
-              <a:rPr lang="ko-KR" altLang="en-US" sz="1600" dirty="0">
-                <a:solidFill>
-                  <a:srgbClr val="00B050"/>
-                </a:solidFill>
-                <a:latin typeface="ubuntu mono derivative powerline" panose="020B0509030602030204" pitchFamily="49" charset="0"/>
-              </a:rPr>
-              <a:t>로 채워진 </a:t>
-            </a:r>
-            <a:r>
-              <a:rPr lang="en-US" altLang="ko-KR" sz="1600" dirty="0">
-                <a:solidFill>
-                  <a:srgbClr val="00B050"/>
-                </a:solidFill>
-                <a:latin typeface="ubuntu mono derivative powerline" panose="020B0509030602030204" pitchFamily="49" charset="0"/>
-              </a:rPr>
-              <a:t>200 x 300 </a:t>
-            </a:r>
-            <a:r>
-              <a:rPr lang="ko-KR" altLang="en-US" sz="1600" dirty="0">
-                <a:solidFill>
-                  <a:srgbClr val="00B050"/>
-                </a:solidFill>
-                <a:latin typeface="ubuntu mono derivative powerline" panose="020B0509030602030204" pitchFamily="49" charset="0"/>
-              </a:rPr>
-              <a:t>행렬 생성</a:t>
-            </a:r>
-            <a:endParaRPr lang="en-US" altLang="ko-KR" sz="1600" dirty="0">
-              <a:solidFill>
-                <a:srgbClr val="00B050"/>
-              </a:solidFill>
-              <a:latin typeface="ubuntu mono derivative powerline" panose="020B0509030602030204" pitchFamily="49" charset="0"/>
-            </a:endParaRPr>
-          </a:p>
-          <a:p>
-            <a:endParaRPr lang="en-US" altLang="ko-KR" sz="1600" dirty="0">
-              <a:solidFill>
-                <a:srgbClr val="00B050"/>
-              </a:solidFill>
-              <a:latin typeface="ubuntu mono derivative powerline" panose="020B0509030602030204" pitchFamily="49" charset="0"/>
-            </a:endParaRPr>
-          </a:p>
-          <a:p>
-            <a:endParaRPr lang="en-US" altLang="ko-KR" sz="1600" dirty="0">
-              <a:solidFill>
-                <a:srgbClr val="00B050"/>
-              </a:solidFill>
-              <a:latin typeface="ubuntu mono derivative powerline" panose="020B0509030602030204" pitchFamily="49" charset="0"/>
-            </a:endParaRPr>
-          </a:p>
-          <a:p>
-            <a:endParaRPr lang="en-US" altLang="ko-KR" sz="1600" dirty="0">
-              <a:solidFill>
-                <a:srgbClr val="00B050"/>
-              </a:solidFill>
-              <a:latin typeface="ubuntu mono derivative powerline" panose="020B0509030602030204" pitchFamily="49" charset="0"/>
-            </a:endParaRPr>
-          </a:p>
-          <a:p>
-            <a:r>
-              <a:rPr lang="en-US" altLang="ko-KR" sz="1600" dirty="0">
-                <a:solidFill>
-                  <a:srgbClr val="00B050"/>
-                </a:solidFill>
-                <a:latin typeface="ubuntu mono derivative powerline" panose="020B0509030602030204" pitchFamily="49" charset="0"/>
-              </a:rPr>
-              <a:t># </a:t>
-            </a:r>
-            <a:r>
-              <a:rPr lang="ko-KR" altLang="en-US" sz="1600" dirty="0">
-                <a:solidFill>
-                  <a:srgbClr val="00B050"/>
-                </a:solidFill>
-                <a:latin typeface="ubuntu mono derivative powerline" panose="020B0509030602030204" pitchFamily="49" charset="0"/>
-              </a:rPr>
-              <a:t>마우스 이벤트 </a:t>
-            </a:r>
-            <a:r>
-              <a:rPr lang="ko-KR" altLang="en-US" sz="1600" dirty="0" err="1">
-                <a:solidFill>
-                  <a:srgbClr val="00B050"/>
-                </a:solidFill>
-                <a:latin typeface="ubuntu mono derivative powerline" panose="020B0509030602030204" pitchFamily="49" charset="0"/>
-              </a:rPr>
-              <a:t>콜백</a:t>
-            </a:r>
-            <a:r>
-              <a:rPr lang="ko-KR" altLang="en-US" sz="1600">
-                <a:solidFill>
-                  <a:srgbClr val="00B050"/>
-                </a:solidFill>
-                <a:latin typeface="ubuntu mono derivative powerline" panose="020B0509030602030204" pitchFamily="49" charset="0"/>
-              </a:rPr>
-              <a:t> 함수</a:t>
-            </a:r>
-            <a:endParaRPr lang="en-US" altLang="ko-KR" sz="1600" dirty="0">
-              <a:solidFill>
-                <a:srgbClr val="00B050"/>
-              </a:solidFill>
-              <a:latin typeface="ubuntu mono derivative powerline" panose="020B0509030602030204" pitchFamily="49" charset="0"/>
-            </a:endParaRPr>
-          </a:p>
         </p:txBody>
       </p:sp>
+      <p:pic>
+        <p:nvPicPr>
+          <p:cNvPr id="7" name="그림 6">
+            <a:extLst>
+              <a:ext uri="{FF2B5EF4-FFF2-40B4-BE49-F238E27FC236}">
+                <a16:creationId xmlns:a16="http://schemas.microsoft.com/office/drawing/2014/main" id="{4FC6FBA2-4480-1288-2DC8-E44727F682C2}"/>
+              </a:ext>
+            </a:extLst>
+          </p:cNvPr>
+          <p:cNvPicPr>
+            <a:picLocks noChangeAspect="1"/>
+          </p:cNvPicPr>
+          <p:nvPr/>
+        </p:nvPicPr>
+        <p:blipFill>
+          <a:blip r:embed="rId2"/>
+          <a:stretch>
+            <a:fillRect/>
+          </a:stretch>
+        </p:blipFill>
+        <p:spPr>
+          <a:xfrm>
+            <a:off x="1115616" y="3721596"/>
+            <a:ext cx="2544619" cy="1905930"/>
+          </a:xfrm>
+          <a:prstGeom prst="rect">
+            <a:avLst/>
+          </a:prstGeom>
+        </p:spPr>
+      </p:pic>
+      <p:pic>
+        <p:nvPicPr>
+          <p:cNvPr id="9" name="그림 8">
+            <a:extLst>
+              <a:ext uri="{FF2B5EF4-FFF2-40B4-BE49-F238E27FC236}">
+                <a16:creationId xmlns:a16="http://schemas.microsoft.com/office/drawing/2014/main" id="{C4976590-ABD7-08F0-237B-CBBC3F725D0F}"/>
+              </a:ext>
+            </a:extLst>
+          </p:cNvPr>
+          <p:cNvPicPr>
+            <a:picLocks noChangeAspect="1"/>
+          </p:cNvPicPr>
+          <p:nvPr/>
+        </p:nvPicPr>
+        <p:blipFill>
+          <a:blip r:embed="rId3"/>
+          <a:stretch>
+            <a:fillRect/>
+          </a:stretch>
+        </p:blipFill>
+        <p:spPr>
+          <a:xfrm>
+            <a:off x="5739191" y="3721596"/>
+            <a:ext cx="2544620" cy="1905931"/>
+          </a:xfrm>
+          <a:prstGeom prst="rect">
+            <a:avLst/>
+          </a:prstGeom>
+        </p:spPr>
+      </p:pic>
     </p:spTree>
     <p:extLst>
       <p:ext uri="{BB962C8B-B14F-4D97-AF65-F5344CB8AC3E}">
@@ -19647,6 +19425,2296 @@
   <p:clrMapOvr>
     <a:masterClrMapping/>
   </p:clrMapOvr>
+</p:sld>
+</file>
+
+<file path=ppt/slides/slide24.xml><?xml version="1.0" encoding="utf-8"?>
+<p:sld xmlns:a="http://schemas.openxmlformats.org/drawingml/2006/main" xmlns:r="http://schemas.openxmlformats.org/officeDocument/2006/relationships" xmlns:p="http://schemas.openxmlformats.org/presentationml/2006/main">
+  <p:cSld>
+    <p:spTree>
+      <p:nvGrpSpPr>
+        <p:cNvPr id="1" name=""/>
+        <p:cNvGrpSpPr/>
+        <p:nvPr/>
+      </p:nvGrpSpPr>
+      <p:grpSpPr>
+        <a:xfrm>
+          <a:off x="0" y="0"/>
+          <a:ext cx="0" cy="0"/>
+          <a:chOff x="0" y="0"/>
+          <a:chExt cx="0" cy="0"/>
+        </a:xfrm>
+      </p:grpSpPr>
+      <p:sp>
+        <p:nvSpPr>
+          <p:cNvPr id="2" name="제목 1"/>
+          <p:cNvSpPr>
+            <a:spLocks noGrp="1"/>
+          </p:cNvSpPr>
+          <p:nvPr>
+            <p:ph type="title"/>
+          </p:nvPr>
+        </p:nvSpPr>
+        <p:spPr/>
+        <p:txBody>
+          <a:bodyPr/>
+          <a:lstStyle/>
+          <a:p>
+            <a:r>
+              <a:rPr lang="en-US" altLang="ko-KR" dirty="0"/>
+              <a:t>4. </a:t>
+            </a:r>
+            <a:r>
+              <a:rPr lang="ko-KR" altLang="en-US" dirty="0"/>
+              <a:t>인터페이스 기초</a:t>
+            </a:r>
+          </a:p>
+        </p:txBody>
+      </p:sp>
+      <p:sp>
+        <p:nvSpPr>
+          <p:cNvPr id="3" name="내용 개체 틀 2"/>
+          <p:cNvSpPr>
+            <a:spLocks noGrp="1"/>
+          </p:cNvSpPr>
+          <p:nvPr>
+            <p:ph idx="1"/>
+          </p:nvPr>
+        </p:nvSpPr>
+        <p:spPr/>
+        <p:txBody>
+          <a:bodyPr>
+            <a:normAutofit/>
+          </a:bodyPr>
+          <a:lstStyle/>
+          <a:p>
+            <a:r>
+              <a:rPr lang="en-US" altLang="ko-KR" dirty="0"/>
+              <a:t>4.2 </a:t>
+            </a:r>
+            <a:r>
+              <a:rPr lang="ko-KR" altLang="en-US" dirty="0"/>
+              <a:t>키보드 이벤트 제어</a:t>
+            </a:r>
+            <a:endParaRPr lang="en-US" altLang="ko-KR" dirty="0"/>
+          </a:p>
+          <a:p>
+            <a:pPr lvl="1"/>
+            <a:r>
+              <a:rPr lang="en-US" altLang="ko-KR" dirty="0"/>
+              <a:t>4.2.3 </a:t>
+            </a:r>
+            <a:r>
+              <a:rPr lang="ko-KR" altLang="en-US" dirty="0" err="1"/>
+              <a:t>트랙바</a:t>
+            </a:r>
+            <a:r>
+              <a:rPr lang="ko-KR" altLang="en-US" dirty="0"/>
+              <a:t> 이벤트 사용</a:t>
+            </a:r>
+            <a:endParaRPr lang="en-US" altLang="ko-KR" dirty="0"/>
+          </a:p>
+        </p:txBody>
+      </p:sp>
+      <p:sp>
+        <p:nvSpPr>
+          <p:cNvPr id="4" name="직사각형 3">
+            <a:extLst>
+              <a:ext uri="{FF2B5EF4-FFF2-40B4-BE49-F238E27FC236}">
+                <a16:creationId xmlns:a16="http://schemas.microsoft.com/office/drawing/2014/main" id="{64FCAE03-D95D-374F-6DE9-F428C178B308}"/>
+              </a:ext>
+            </a:extLst>
+          </p:cNvPr>
+          <p:cNvSpPr/>
+          <p:nvPr/>
+        </p:nvSpPr>
+        <p:spPr>
+          <a:xfrm>
+            <a:off x="827584" y="2065412"/>
+            <a:ext cx="6120680" cy="3323987"/>
+          </a:xfrm>
+          <a:prstGeom prst="rect">
+            <a:avLst/>
+          </a:prstGeom>
+        </p:spPr>
+        <p:txBody>
+          <a:bodyPr wrap="square">
+            <a:spAutoFit/>
+          </a:bodyPr>
+          <a:lstStyle/>
+          <a:p>
+            <a:r>
+              <a:rPr lang="en-US" altLang="ko-KR" sz="1400" b="0" dirty="0">
+                <a:solidFill>
+                  <a:srgbClr val="CC9B00"/>
+                </a:solidFill>
+                <a:effectLst/>
+                <a:latin typeface="ubuntu mono derivative powerline" panose="020B0509030602030204" pitchFamily="49" charset="0"/>
+              </a:rPr>
+              <a:t>import</a:t>
+            </a:r>
+            <a:r>
+              <a:rPr lang="en-US" altLang="ko-KR" sz="1400" b="0" dirty="0">
+                <a:effectLst/>
+                <a:latin typeface="ubuntu mono derivative powerline" panose="020B0509030602030204" pitchFamily="49" charset="0"/>
+              </a:rPr>
+              <a:t> </a:t>
+            </a:r>
+            <a:r>
+              <a:rPr lang="en-US" altLang="ko-KR" sz="1400" b="0" dirty="0" err="1">
+                <a:solidFill>
+                  <a:srgbClr val="7030A0"/>
+                </a:solidFill>
+                <a:effectLst/>
+                <a:latin typeface="ubuntu mono derivative powerline" panose="020B0509030602030204" pitchFamily="49" charset="0"/>
+              </a:rPr>
+              <a:t>numpy</a:t>
+            </a:r>
+            <a:r>
+              <a:rPr lang="en-US" altLang="ko-KR" sz="1400" b="0" dirty="0">
+                <a:effectLst/>
+                <a:latin typeface="ubuntu mono derivative powerline" panose="020B0509030602030204" pitchFamily="49" charset="0"/>
+              </a:rPr>
+              <a:t> </a:t>
+            </a:r>
+            <a:r>
+              <a:rPr lang="en-US" altLang="ko-KR" sz="1400" b="0" dirty="0">
+                <a:solidFill>
+                  <a:srgbClr val="CC9B00"/>
+                </a:solidFill>
+                <a:effectLst/>
+                <a:latin typeface="ubuntu mono derivative powerline" panose="020B0509030602030204" pitchFamily="49" charset="0"/>
+              </a:rPr>
+              <a:t>as</a:t>
+            </a:r>
+            <a:r>
+              <a:rPr lang="en-US" altLang="ko-KR" sz="1400" b="0" dirty="0">
+                <a:effectLst/>
+                <a:latin typeface="ubuntu mono derivative powerline" panose="020B0509030602030204" pitchFamily="49" charset="0"/>
+              </a:rPr>
+              <a:t> </a:t>
+            </a:r>
+            <a:r>
+              <a:rPr lang="en-US" altLang="ko-KR" sz="1400" b="0" dirty="0">
+                <a:solidFill>
+                  <a:srgbClr val="7030A0"/>
+                </a:solidFill>
+                <a:effectLst/>
+                <a:latin typeface="ubuntu mono derivative powerline" panose="020B0509030602030204" pitchFamily="49" charset="0"/>
+              </a:rPr>
+              <a:t>np</a:t>
+            </a:r>
+          </a:p>
+          <a:p>
+            <a:r>
+              <a:rPr lang="en-US" altLang="ko-KR" sz="1400" b="0" dirty="0">
+                <a:solidFill>
+                  <a:srgbClr val="CC9B00"/>
+                </a:solidFill>
+                <a:effectLst/>
+                <a:latin typeface="ubuntu mono derivative powerline" panose="020B0509030602030204" pitchFamily="49" charset="0"/>
+              </a:rPr>
+              <a:t>import</a:t>
+            </a:r>
+            <a:r>
+              <a:rPr lang="en-US" altLang="ko-KR" sz="1400" b="0" dirty="0">
+                <a:effectLst/>
+                <a:latin typeface="ubuntu mono derivative powerline" panose="020B0509030602030204" pitchFamily="49" charset="0"/>
+              </a:rPr>
+              <a:t> </a:t>
+            </a:r>
+            <a:r>
+              <a:rPr lang="en-US" altLang="ko-KR" sz="1400" b="0" dirty="0">
+                <a:solidFill>
+                  <a:srgbClr val="7030A0"/>
+                </a:solidFill>
+                <a:effectLst/>
+                <a:latin typeface="ubuntu mono derivative powerline" panose="020B0509030602030204" pitchFamily="49" charset="0"/>
+              </a:rPr>
+              <a:t>cv2</a:t>
+            </a:r>
+          </a:p>
+          <a:p>
+            <a:br>
+              <a:rPr lang="en-US" altLang="ko-KR" sz="1400" b="0" dirty="0">
+                <a:effectLst/>
+                <a:latin typeface="ubuntu mono derivative powerline" panose="020B0509030602030204" pitchFamily="49" charset="0"/>
+              </a:rPr>
+            </a:br>
+            <a:r>
+              <a:rPr lang="en-US" altLang="ko-KR" sz="1400" b="0" dirty="0">
+                <a:effectLst/>
+                <a:latin typeface="ubuntu mono derivative powerline" panose="020B0509030602030204" pitchFamily="49" charset="0"/>
+              </a:rPr>
+              <a:t>def </a:t>
+            </a:r>
+            <a:r>
+              <a:rPr lang="en-US" altLang="ko-KR" sz="1400" b="0" dirty="0" err="1">
+                <a:solidFill>
+                  <a:srgbClr val="0000FF"/>
+                </a:solidFill>
+                <a:effectLst/>
+                <a:latin typeface="ubuntu mono derivative powerline" panose="020B0509030602030204" pitchFamily="49" charset="0"/>
+              </a:rPr>
+              <a:t>onChange</a:t>
+            </a:r>
+            <a:r>
+              <a:rPr lang="en-US" altLang="ko-KR" sz="1400" b="0" dirty="0">
+                <a:effectLst/>
+                <a:latin typeface="ubuntu mono derivative powerline" panose="020B0509030602030204" pitchFamily="49" charset="0"/>
+              </a:rPr>
+              <a:t>(value):</a:t>
+            </a:r>
+          </a:p>
+          <a:p>
+            <a:r>
+              <a:rPr lang="en-US" altLang="ko-KR" sz="1400" b="0" dirty="0">
+                <a:effectLst/>
+                <a:latin typeface="ubuntu mono derivative powerline" panose="020B0509030602030204" pitchFamily="49" charset="0"/>
+              </a:rPr>
+              <a:t>    </a:t>
+            </a:r>
+            <a:r>
+              <a:rPr lang="en-US" altLang="ko-KR" sz="1400" b="0" dirty="0">
+                <a:solidFill>
+                  <a:srgbClr val="0000FF"/>
+                </a:solidFill>
+                <a:effectLst/>
+                <a:latin typeface="ubuntu mono derivative powerline" panose="020B0509030602030204" pitchFamily="49" charset="0"/>
+              </a:rPr>
+              <a:t>global</a:t>
+            </a:r>
+            <a:r>
+              <a:rPr lang="en-US" altLang="ko-KR" sz="1400" b="0" dirty="0">
+                <a:effectLst/>
+                <a:latin typeface="ubuntu mono derivative powerline" panose="020B0509030602030204" pitchFamily="49" charset="0"/>
+              </a:rPr>
+              <a:t> image, title</a:t>
+            </a:r>
+          </a:p>
+          <a:p>
+            <a:r>
+              <a:rPr lang="en-US" altLang="ko-KR" sz="1400" b="0" dirty="0">
+                <a:effectLst/>
+                <a:latin typeface="ubuntu mono derivative powerline" panose="020B0509030602030204" pitchFamily="49" charset="0"/>
+              </a:rPr>
+              <a:t>    image[:] = value</a:t>
+            </a:r>
+          </a:p>
+          <a:p>
+            <a:r>
+              <a:rPr lang="en-US" altLang="ko-KR" sz="1400" b="0" dirty="0">
+                <a:effectLst/>
+                <a:latin typeface="ubuntu mono derivative powerline" panose="020B0509030602030204" pitchFamily="49" charset="0"/>
+              </a:rPr>
+              <a:t>    </a:t>
+            </a:r>
+            <a:r>
+              <a:rPr lang="en-US" altLang="ko-KR" sz="1400" b="0" dirty="0">
+                <a:solidFill>
+                  <a:srgbClr val="7030A0"/>
+                </a:solidFill>
+                <a:effectLst/>
+                <a:latin typeface="ubuntu mono derivative powerline" panose="020B0509030602030204" pitchFamily="49" charset="0"/>
+              </a:rPr>
+              <a:t>cv2</a:t>
+            </a:r>
+            <a:r>
+              <a:rPr lang="en-US" altLang="ko-KR" sz="1400" b="0" dirty="0">
+                <a:effectLst/>
+                <a:latin typeface="ubuntu mono derivative powerline" panose="020B0509030602030204" pitchFamily="49" charset="0"/>
+              </a:rPr>
+              <a:t>.</a:t>
+            </a:r>
+            <a:r>
+              <a:rPr lang="en-US" altLang="ko-KR" sz="1400" b="0" dirty="0">
+                <a:solidFill>
+                  <a:srgbClr val="0000FF"/>
+                </a:solidFill>
+                <a:effectLst/>
+                <a:latin typeface="ubuntu mono derivative powerline" panose="020B0509030602030204" pitchFamily="49" charset="0"/>
+              </a:rPr>
+              <a:t>imshow</a:t>
+            </a:r>
+            <a:r>
+              <a:rPr lang="en-US" altLang="ko-KR" sz="1400" b="0" dirty="0">
+                <a:effectLst/>
+                <a:latin typeface="ubuntu mono derivative powerline" panose="020B0509030602030204" pitchFamily="49" charset="0"/>
+              </a:rPr>
+              <a:t>(title, image)</a:t>
+            </a:r>
+          </a:p>
+          <a:p>
+            <a:br>
+              <a:rPr lang="en-US" altLang="ko-KR" sz="1400" b="0" dirty="0">
+                <a:effectLst/>
+                <a:latin typeface="ubuntu mono derivative powerline" panose="020B0509030602030204" pitchFamily="49" charset="0"/>
+              </a:rPr>
+            </a:br>
+            <a:r>
+              <a:rPr lang="en-US" altLang="ko-KR" sz="1400" b="0" dirty="0">
+                <a:effectLst/>
+                <a:latin typeface="ubuntu mono derivative powerline" panose="020B0509030602030204" pitchFamily="49" charset="0"/>
+              </a:rPr>
+              <a:t>image = </a:t>
+            </a:r>
+            <a:r>
+              <a:rPr lang="en-US" altLang="ko-KR" sz="1400" b="0" dirty="0" err="1">
+                <a:solidFill>
+                  <a:srgbClr val="7030A0"/>
+                </a:solidFill>
+                <a:effectLst/>
+                <a:latin typeface="ubuntu mono derivative powerline" panose="020B0509030602030204" pitchFamily="49" charset="0"/>
+              </a:rPr>
+              <a:t>np</a:t>
+            </a:r>
+            <a:r>
+              <a:rPr lang="en-US" altLang="ko-KR" sz="1400" b="0" dirty="0" err="1">
+                <a:effectLst/>
+                <a:latin typeface="ubuntu mono derivative powerline" panose="020B0509030602030204" pitchFamily="49" charset="0"/>
+              </a:rPr>
+              <a:t>.</a:t>
+            </a:r>
+            <a:r>
+              <a:rPr lang="en-US" altLang="ko-KR" sz="1400" b="0" dirty="0" err="1">
+                <a:solidFill>
+                  <a:srgbClr val="0000FF"/>
+                </a:solidFill>
+                <a:effectLst/>
+                <a:latin typeface="ubuntu mono derivative powerline" panose="020B0509030602030204" pitchFamily="49" charset="0"/>
+              </a:rPr>
+              <a:t>zeros</a:t>
+            </a:r>
+            <a:r>
+              <a:rPr lang="en-US" altLang="ko-KR" sz="1400" b="0" dirty="0">
+                <a:effectLst/>
+                <a:latin typeface="ubuntu mono derivative powerline" panose="020B0509030602030204" pitchFamily="49" charset="0"/>
+              </a:rPr>
+              <a:t>((300, 500), </a:t>
+            </a:r>
+            <a:r>
+              <a:rPr lang="en-US" altLang="ko-KR" sz="1400" b="0" dirty="0">
+                <a:solidFill>
+                  <a:srgbClr val="7030A0"/>
+                </a:solidFill>
+                <a:effectLst/>
+                <a:latin typeface="ubuntu mono derivative powerline" panose="020B0509030602030204" pitchFamily="49" charset="0"/>
+              </a:rPr>
+              <a:t>np</a:t>
+            </a:r>
+            <a:r>
+              <a:rPr lang="en-US" altLang="ko-KR" sz="1400" b="0" dirty="0">
+                <a:effectLst/>
+                <a:latin typeface="ubuntu mono derivative powerline" panose="020B0509030602030204" pitchFamily="49" charset="0"/>
+              </a:rPr>
+              <a:t>.uint8)</a:t>
+            </a:r>
+          </a:p>
+          <a:p>
+            <a:r>
+              <a:rPr lang="en-US" altLang="ko-KR" sz="1400" b="0" dirty="0">
+                <a:effectLst/>
+                <a:latin typeface="ubuntu mono derivative powerline" panose="020B0509030602030204" pitchFamily="49" charset="0"/>
+              </a:rPr>
+              <a:t>title = "Trackbar Event"</a:t>
+            </a:r>
+          </a:p>
+          <a:p>
+            <a:endParaRPr lang="en-US" altLang="ko-KR" sz="1400" b="0" dirty="0">
+              <a:effectLst/>
+              <a:latin typeface="ubuntu mono derivative powerline" panose="020B0509030602030204" pitchFamily="49" charset="0"/>
+            </a:endParaRPr>
+          </a:p>
+          <a:p>
+            <a:r>
+              <a:rPr lang="en-US" altLang="ko-KR" sz="1400" b="0" dirty="0">
+                <a:solidFill>
+                  <a:srgbClr val="7030A0"/>
+                </a:solidFill>
+                <a:effectLst/>
+                <a:latin typeface="ubuntu mono derivative powerline" panose="020B0509030602030204" pitchFamily="49" charset="0"/>
+              </a:rPr>
+              <a:t>cv2</a:t>
+            </a:r>
+            <a:r>
+              <a:rPr lang="en-US" altLang="ko-KR" sz="1400" b="0" dirty="0">
+                <a:effectLst/>
+                <a:latin typeface="ubuntu mono derivative powerline" panose="020B0509030602030204" pitchFamily="49" charset="0"/>
+              </a:rPr>
+              <a:t>.</a:t>
+            </a:r>
+            <a:r>
+              <a:rPr lang="en-US" altLang="ko-KR" sz="1400" b="0" dirty="0">
+                <a:solidFill>
+                  <a:srgbClr val="0000FF"/>
+                </a:solidFill>
+                <a:effectLst/>
+                <a:latin typeface="ubuntu mono derivative powerline" panose="020B0509030602030204" pitchFamily="49" charset="0"/>
+              </a:rPr>
+              <a:t>imshow</a:t>
+            </a:r>
+            <a:r>
+              <a:rPr lang="en-US" altLang="ko-KR" sz="1400" b="0" dirty="0">
+                <a:effectLst/>
+                <a:latin typeface="ubuntu mono derivative powerline" panose="020B0509030602030204" pitchFamily="49" charset="0"/>
+              </a:rPr>
+              <a:t>(title, image)</a:t>
+            </a:r>
+            <a:br>
+              <a:rPr lang="en-US" altLang="ko-KR" sz="1400" b="0" dirty="0">
+                <a:effectLst/>
+                <a:latin typeface="ubuntu mono derivative powerline" panose="020B0509030602030204" pitchFamily="49" charset="0"/>
+              </a:rPr>
+            </a:br>
+            <a:r>
+              <a:rPr lang="en-US" altLang="ko-KR" sz="1400" b="0" dirty="0">
+                <a:solidFill>
+                  <a:srgbClr val="7030A0"/>
+                </a:solidFill>
+                <a:effectLst/>
+                <a:latin typeface="ubuntu mono derivative powerline" panose="020B0509030602030204" pitchFamily="49" charset="0"/>
+              </a:rPr>
+              <a:t>cv2</a:t>
+            </a:r>
+            <a:r>
+              <a:rPr lang="en-US" altLang="ko-KR" sz="1400" b="0" dirty="0">
+                <a:effectLst/>
+                <a:latin typeface="ubuntu mono derivative powerline" panose="020B0509030602030204" pitchFamily="49" charset="0"/>
+              </a:rPr>
+              <a:t>.</a:t>
+            </a:r>
+            <a:r>
+              <a:rPr lang="en-US" altLang="ko-KR" sz="1400" b="0" dirty="0">
+                <a:solidFill>
+                  <a:srgbClr val="0000FF"/>
+                </a:solidFill>
+                <a:effectLst/>
+                <a:latin typeface="ubuntu mono derivative powerline" panose="020B0509030602030204" pitchFamily="49" charset="0"/>
+              </a:rPr>
+              <a:t>createTrackbar</a:t>
+            </a:r>
+            <a:r>
+              <a:rPr lang="en-US" altLang="ko-KR" sz="1400" b="0" dirty="0">
+                <a:effectLst/>
+                <a:latin typeface="ubuntu mono derivative powerline" panose="020B0509030602030204" pitchFamily="49" charset="0"/>
+              </a:rPr>
+              <a:t>("Brightness", title, image[0][0], 255, </a:t>
+            </a:r>
+            <a:r>
+              <a:rPr lang="en-US" altLang="ko-KR" sz="1400" b="0" dirty="0" err="1">
+                <a:effectLst/>
+                <a:latin typeface="ubuntu mono derivative powerline" panose="020B0509030602030204" pitchFamily="49" charset="0"/>
+              </a:rPr>
+              <a:t>onChange</a:t>
+            </a:r>
+            <a:r>
+              <a:rPr lang="en-US" altLang="ko-KR" sz="1400" b="0" dirty="0">
+                <a:effectLst/>
+                <a:latin typeface="ubuntu mono derivative powerline" panose="020B0509030602030204" pitchFamily="49" charset="0"/>
+              </a:rPr>
+              <a:t>)</a:t>
+            </a:r>
+          </a:p>
+          <a:p>
+            <a:r>
+              <a:rPr lang="en-US" altLang="ko-KR" sz="1400" b="0" dirty="0">
+                <a:solidFill>
+                  <a:srgbClr val="7030A0"/>
+                </a:solidFill>
+                <a:effectLst/>
+                <a:latin typeface="ubuntu mono derivative powerline" panose="020B0509030602030204" pitchFamily="49" charset="0"/>
+              </a:rPr>
+              <a:t>cv2</a:t>
+            </a:r>
+            <a:r>
+              <a:rPr lang="en-US" altLang="ko-KR" sz="1400" b="0" dirty="0">
+                <a:effectLst/>
+                <a:latin typeface="ubuntu mono derivative powerline" panose="020B0509030602030204" pitchFamily="49" charset="0"/>
+              </a:rPr>
+              <a:t>.</a:t>
+            </a:r>
+            <a:r>
+              <a:rPr lang="en-US" altLang="ko-KR" sz="1400" b="0" dirty="0">
+                <a:solidFill>
+                  <a:srgbClr val="0000FF"/>
+                </a:solidFill>
+                <a:effectLst/>
+                <a:latin typeface="ubuntu mono derivative powerline" panose="020B0509030602030204" pitchFamily="49" charset="0"/>
+              </a:rPr>
+              <a:t>waitKey</a:t>
+            </a:r>
+            <a:r>
+              <a:rPr lang="en-US" altLang="ko-KR" sz="1400" b="0" dirty="0">
+                <a:effectLst/>
+                <a:latin typeface="ubuntu mono derivative powerline" panose="020B0509030602030204" pitchFamily="49" charset="0"/>
+              </a:rPr>
+              <a:t>(0)</a:t>
+            </a:r>
+          </a:p>
+          <a:p>
+            <a:r>
+              <a:rPr lang="en-US" altLang="ko-KR" sz="1400" b="0" dirty="0">
+                <a:solidFill>
+                  <a:srgbClr val="7030A0"/>
+                </a:solidFill>
+                <a:effectLst/>
+                <a:latin typeface="ubuntu mono derivative powerline" panose="020B0509030602030204" pitchFamily="49" charset="0"/>
+              </a:rPr>
+              <a:t>cv2</a:t>
+            </a:r>
+            <a:r>
+              <a:rPr lang="en-US" altLang="ko-KR" sz="1400" b="0" dirty="0">
+                <a:effectLst/>
+                <a:latin typeface="ubuntu mono derivative powerline" panose="020B0509030602030204" pitchFamily="49" charset="0"/>
+              </a:rPr>
+              <a:t>.</a:t>
+            </a:r>
+            <a:r>
+              <a:rPr lang="en-US" altLang="ko-KR" sz="1400" b="0" dirty="0">
+                <a:solidFill>
+                  <a:srgbClr val="0000FF"/>
+                </a:solidFill>
+                <a:effectLst/>
+                <a:latin typeface="ubuntu mono derivative powerline" panose="020B0509030602030204" pitchFamily="49" charset="0"/>
+              </a:rPr>
+              <a:t>destroyAllWindows</a:t>
+            </a:r>
+            <a:r>
+              <a:rPr lang="en-US" altLang="ko-KR" sz="1400" b="0" dirty="0">
+                <a:effectLst/>
+                <a:latin typeface="ubuntu mono derivative powerline" panose="020B0509030602030204" pitchFamily="49" charset="0"/>
+              </a:rPr>
+              <a:t>()</a:t>
+            </a:r>
+          </a:p>
+        </p:txBody>
+      </p:sp>
+      <p:sp>
+        <p:nvSpPr>
+          <p:cNvPr id="5" name="직사각형 4">
+            <a:extLst>
+              <a:ext uri="{FF2B5EF4-FFF2-40B4-BE49-F238E27FC236}">
+                <a16:creationId xmlns:a16="http://schemas.microsoft.com/office/drawing/2014/main" id="{18E87BEF-4642-04F1-8919-760E4C166064}"/>
+              </a:ext>
+            </a:extLst>
+          </p:cNvPr>
+          <p:cNvSpPr/>
+          <p:nvPr/>
+        </p:nvSpPr>
+        <p:spPr>
+          <a:xfrm>
+            <a:off x="1259632" y="3217540"/>
+            <a:ext cx="1471993" cy="196992"/>
+          </a:xfrm>
+          <a:prstGeom prst="rect">
+            <a:avLst/>
+          </a:prstGeom>
+          <a:solidFill>
+            <a:srgbClr val="FFFFFF"/>
+          </a:solidFill>
+          <a:ln>
+            <a:solidFill>
+              <a:srgbClr val="0000FF"/>
+            </a:solidFill>
+          </a:ln>
+        </p:spPr>
+        <p:style>
+          <a:lnRef idx="2">
+            <a:schemeClr val="accent1">
+              <a:shade val="50000"/>
+            </a:schemeClr>
+          </a:lnRef>
+          <a:fillRef idx="1">
+            <a:schemeClr val="accent1"/>
+          </a:fillRef>
+          <a:effectRef idx="0">
+            <a:schemeClr val="accent1"/>
+          </a:effectRef>
+          <a:fontRef idx="minor">
+            <a:schemeClr val="lt1"/>
+          </a:fontRef>
+        </p:style>
+        <p:txBody>
+          <a:bodyPr rtlCol="0" anchor="ctr"/>
+          <a:lstStyle/>
+          <a:p>
+            <a:pPr algn="ctr"/>
+            <a:endParaRPr lang="ko-KR" altLang="en-US"/>
+          </a:p>
+        </p:txBody>
+      </p:sp>
+      <p:sp>
+        <p:nvSpPr>
+          <p:cNvPr id="8" name="직사각형 7">
+            <a:extLst>
+              <a:ext uri="{FF2B5EF4-FFF2-40B4-BE49-F238E27FC236}">
+                <a16:creationId xmlns:a16="http://schemas.microsoft.com/office/drawing/2014/main" id="{0933AEA5-EFF1-0981-5E4D-C16611A9F4FC}"/>
+              </a:ext>
+            </a:extLst>
+          </p:cNvPr>
+          <p:cNvSpPr/>
+          <p:nvPr/>
+        </p:nvSpPr>
+        <p:spPr>
+          <a:xfrm>
+            <a:off x="3635896" y="3100973"/>
+            <a:ext cx="4896544" cy="338554"/>
+          </a:xfrm>
+          <a:prstGeom prst="rect">
+            <a:avLst/>
+          </a:prstGeom>
+        </p:spPr>
+        <p:txBody>
+          <a:bodyPr wrap="square">
+            <a:spAutoFit/>
+          </a:bodyPr>
+          <a:lstStyle/>
+          <a:p>
+            <a:r>
+              <a:rPr lang="en-US" altLang="ko-KR" sz="1600" dirty="0">
+                <a:solidFill>
+                  <a:srgbClr val="00B050"/>
+                </a:solidFill>
+                <a:latin typeface="ubuntu mono derivative powerline" panose="020B0509030602030204" pitchFamily="49" charset="0"/>
+              </a:rPr>
+              <a:t># </a:t>
+            </a:r>
+            <a:r>
+              <a:rPr lang="ko-KR" altLang="en-US" sz="1600" dirty="0" err="1">
+                <a:solidFill>
+                  <a:srgbClr val="00B050"/>
+                </a:solidFill>
+                <a:latin typeface="ubuntu mono derivative powerline" panose="020B0509030602030204" pitchFamily="49" charset="0"/>
+              </a:rPr>
+              <a:t>트랙바</a:t>
+            </a:r>
+            <a:r>
+              <a:rPr lang="ko-KR" altLang="en-US" sz="1600" dirty="0">
+                <a:solidFill>
+                  <a:srgbClr val="00B050"/>
+                </a:solidFill>
+                <a:latin typeface="ubuntu mono derivative powerline" panose="020B0509030602030204" pitchFamily="49" charset="0"/>
+              </a:rPr>
+              <a:t> 제어로 인해 변경되는 이미지 색상 적용 </a:t>
+            </a:r>
+            <a:endParaRPr lang="en-US" altLang="ko-KR" sz="1600" dirty="0">
+              <a:solidFill>
+                <a:srgbClr val="00B050"/>
+              </a:solidFill>
+              <a:latin typeface="ubuntu mono derivative powerline" panose="020B0509030602030204" pitchFamily="49" charset="0"/>
+            </a:endParaRPr>
+          </a:p>
+        </p:txBody>
+      </p:sp>
+    </p:spTree>
+    <p:extLst>
+      <p:ext uri="{BB962C8B-B14F-4D97-AF65-F5344CB8AC3E}">
+        <p14:creationId xmlns:p14="http://schemas.microsoft.com/office/powerpoint/2010/main" val="1175303155"/>
+      </p:ext>
+    </p:extLst>
+  </p:cSld>
+  <p:clrMapOvr>
+    <a:masterClrMapping/>
+  </p:clrMapOvr>
+  <p:timing>
+    <p:tnLst>
+      <p:par>
+        <p:cTn id="1" dur="indefinite" restart="never" nodeType="tmRoot">
+          <p:childTnLst>
+            <p:seq concurrent="1" nextAc="seek">
+              <p:cTn id="2" dur="indefinite" nodeType="mainSeq">
+                <p:childTnLst>
+                  <p:par>
+                    <p:cTn id="3" fill="hold">
+                      <p:stCondLst>
+                        <p:cond delay="indefinite"/>
+                      </p:stCondLst>
+                      <p:childTnLst>
+                        <p:par>
+                          <p:cTn id="4" fill="hold">
+                            <p:stCondLst>
+                              <p:cond delay="0"/>
+                            </p:stCondLst>
+                            <p:childTnLst>
+                              <p:par>
+                                <p:cTn id="5" presetID="1" presetClass="exit" presetSubtype="0" fill="hold" grpId="0" nodeType="clickEffect">
+                                  <p:stCondLst>
+                                    <p:cond delay="0"/>
+                                  </p:stCondLst>
+                                  <p:childTnLst>
+                                    <p:set>
+                                      <p:cBhvr>
+                                        <p:cTn id="6" dur="1" fill="hold">
+                                          <p:stCondLst>
+                                            <p:cond delay="0"/>
+                                          </p:stCondLst>
+                                        </p:cTn>
+                                        <p:tgtEl>
+                                          <p:spTgt spid="5"/>
+                                        </p:tgtEl>
+                                        <p:attrNameLst>
+                                          <p:attrName>style.visibility</p:attrName>
+                                        </p:attrNameLst>
+                                      </p:cBhvr>
+                                      <p:to>
+                                        <p:strVal val="hidden"/>
+                                      </p:to>
+                                    </p:set>
+                                  </p:childTnLst>
+                                </p:cTn>
+                              </p:par>
+                            </p:childTnLst>
+                          </p:cTn>
+                        </p:par>
+                      </p:childTnLst>
+                    </p:cTn>
+                  </p:par>
+                </p:childTnLst>
+              </p:cTn>
+              <p:prevCondLst>
+                <p:cond evt="onPrev" delay="0">
+                  <p:tgtEl>
+                    <p:sldTgt/>
+                  </p:tgtEl>
+                </p:cond>
+              </p:prevCondLst>
+              <p:nextCondLst>
+                <p:cond evt="onNext" delay="0">
+                  <p:tgtEl>
+                    <p:sldTgt/>
+                  </p:tgtEl>
+                </p:cond>
+              </p:nextCondLst>
+            </p:seq>
+          </p:childTnLst>
+        </p:cTn>
+      </p:par>
+    </p:tnLst>
+    <p:bldLst>
+      <p:bldP spid="5" grpId="0" animBg="1"/>
+    </p:bldLst>
+  </p:timing>
+</p:sld>
+</file>
+
+<file path=ppt/slides/slide25.xml><?xml version="1.0" encoding="utf-8"?>
+<p:sld xmlns:a="http://schemas.openxmlformats.org/drawingml/2006/main" xmlns:r="http://schemas.openxmlformats.org/officeDocument/2006/relationships" xmlns:p="http://schemas.openxmlformats.org/presentationml/2006/main">
+  <p:cSld>
+    <p:spTree>
+      <p:nvGrpSpPr>
+        <p:cNvPr id="1" name=""/>
+        <p:cNvGrpSpPr/>
+        <p:nvPr/>
+      </p:nvGrpSpPr>
+      <p:grpSpPr>
+        <a:xfrm>
+          <a:off x="0" y="0"/>
+          <a:ext cx="0" cy="0"/>
+          <a:chOff x="0" y="0"/>
+          <a:chExt cx="0" cy="0"/>
+        </a:xfrm>
+      </p:grpSpPr>
+      <p:sp>
+        <p:nvSpPr>
+          <p:cNvPr id="2" name="제목 1"/>
+          <p:cNvSpPr>
+            <a:spLocks noGrp="1"/>
+          </p:cNvSpPr>
+          <p:nvPr>
+            <p:ph type="title"/>
+          </p:nvPr>
+        </p:nvSpPr>
+        <p:spPr/>
+        <p:txBody>
+          <a:bodyPr/>
+          <a:lstStyle/>
+          <a:p>
+            <a:r>
+              <a:rPr lang="en-US" altLang="ko-KR" dirty="0"/>
+              <a:t>4. </a:t>
+            </a:r>
+            <a:r>
+              <a:rPr lang="ko-KR" altLang="en-US" dirty="0"/>
+              <a:t>인터페이스 기초</a:t>
+            </a:r>
+          </a:p>
+        </p:txBody>
+      </p:sp>
+      <p:sp>
+        <p:nvSpPr>
+          <p:cNvPr id="3" name="내용 개체 틀 2"/>
+          <p:cNvSpPr>
+            <a:spLocks noGrp="1"/>
+          </p:cNvSpPr>
+          <p:nvPr>
+            <p:ph idx="1"/>
+          </p:nvPr>
+        </p:nvSpPr>
+        <p:spPr/>
+        <p:txBody>
+          <a:bodyPr>
+            <a:normAutofit/>
+          </a:bodyPr>
+          <a:lstStyle/>
+          <a:p>
+            <a:r>
+              <a:rPr lang="en-US" altLang="ko-KR" dirty="0"/>
+              <a:t>4.2 </a:t>
+            </a:r>
+            <a:r>
+              <a:rPr lang="ko-KR" altLang="en-US" dirty="0"/>
+              <a:t>키보드 이벤트 제어</a:t>
+            </a:r>
+            <a:endParaRPr lang="en-US" altLang="ko-KR" dirty="0"/>
+          </a:p>
+          <a:p>
+            <a:pPr lvl="1"/>
+            <a:r>
+              <a:rPr lang="en-US" altLang="ko-KR" dirty="0"/>
+              <a:t>4.2.3 </a:t>
+            </a:r>
+            <a:r>
+              <a:rPr lang="ko-KR" altLang="en-US" dirty="0" err="1"/>
+              <a:t>트랙바</a:t>
+            </a:r>
+            <a:r>
+              <a:rPr lang="ko-KR" altLang="en-US" dirty="0"/>
+              <a:t> 이벤트 사용</a:t>
+            </a:r>
+            <a:endParaRPr lang="en-US" altLang="ko-KR" dirty="0"/>
+          </a:p>
+        </p:txBody>
+      </p:sp>
+      <p:sp>
+        <p:nvSpPr>
+          <p:cNvPr id="4" name="직사각형 3">
+            <a:extLst>
+              <a:ext uri="{FF2B5EF4-FFF2-40B4-BE49-F238E27FC236}">
+                <a16:creationId xmlns:a16="http://schemas.microsoft.com/office/drawing/2014/main" id="{64FCAE03-D95D-374F-6DE9-F428C178B308}"/>
+              </a:ext>
+            </a:extLst>
+          </p:cNvPr>
+          <p:cNvSpPr/>
+          <p:nvPr/>
+        </p:nvSpPr>
+        <p:spPr>
+          <a:xfrm>
+            <a:off x="827584" y="2065412"/>
+            <a:ext cx="6120680" cy="3539430"/>
+          </a:xfrm>
+          <a:prstGeom prst="rect">
+            <a:avLst/>
+          </a:prstGeom>
+        </p:spPr>
+        <p:txBody>
+          <a:bodyPr wrap="square">
+            <a:spAutoFit/>
+          </a:bodyPr>
+          <a:lstStyle/>
+          <a:p>
+            <a:r>
+              <a:rPr lang="en-US" altLang="ko-KR" sz="1400" b="0" dirty="0">
+                <a:solidFill>
+                  <a:srgbClr val="CC9B00"/>
+                </a:solidFill>
+                <a:effectLst/>
+                <a:latin typeface="ubuntu mono derivative powerline" panose="020B0509030602030204" pitchFamily="49" charset="0"/>
+              </a:rPr>
+              <a:t>import</a:t>
+            </a:r>
+            <a:r>
+              <a:rPr lang="en-US" altLang="ko-KR" sz="1400" b="0" dirty="0">
+                <a:effectLst/>
+                <a:latin typeface="ubuntu mono derivative powerline" panose="020B0509030602030204" pitchFamily="49" charset="0"/>
+              </a:rPr>
+              <a:t> </a:t>
+            </a:r>
+            <a:r>
+              <a:rPr lang="en-US" altLang="ko-KR" sz="1400" b="0" dirty="0" err="1">
+                <a:solidFill>
+                  <a:srgbClr val="7030A0"/>
+                </a:solidFill>
+                <a:effectLst/>
+                <a:latin typeface="ubuntu mono derivative powerline" panose="020B0509030602030204" pitchFamily="49" charset="0"/>
+              </a:rPr>
+              <a:t>numpy</a:t>
+            </a:r>
+            <a:r>
+              <a:rPr lang="en-US" altLang="ko-KR" sz="1400" b="0" dirty="0">
+                <a:effectLst/>
+                <a:latin typeface="ubuntu mono derivative powerline" panose="020B0509030602030204" pitchFamily="49" charset="0"/>
+              </a:rPr>
+              <a:t> </a:t>
+            </a:r>
+            <a:r>
+              <a:rPr lang="en-US" altLang="ko-KR" sz="1400" b="0" dirty="0">
+                <a:solidFill>
+                  <a:srgbClr val="CC9B00"/>
+                </a:solidFill>
+                <a:effectLst/>
+                <a:latin typeface="ubuntu mono derivative powerline" panose="020B0509030602030204" pitchFamily="49" charset="0"/>
+              </a:rPr>
+              <a:t>as</a:t>
+            </a:r>
+            <a:r>
+              <a:rPr lang="en-US" altLang="ko-KR" sz="1400" b="0" dirty="0">
+                <a:effectLst/>
+                <a:latin typeface="ubuntu mono derivative powerline" panose="020B0509030602030204" pitchFamily="49" charset="0"/>
+              </a:rPr>
+              <a:t> </a:t>
+            </a:r>
+            <a:r>
+              <a:rPr lang="en-US" altLang="ko-KR" sz="1400" b="0" dirty="0">
+                <a:solidFill>
+                  <a:srgbClr val="7030A0"/>
+                </a:solidFill>
+                <a:effectLst/>
+                <a:latin typeface="ubuntu mono derivative powerline" panose="020B0509030602030204" pitchFamily="49" charset="0"/>
+              </a:rPr>
+              <a:t>np</a:t>
+            </a:r>
+          </a:p>
+          <a:p>
+            <a:r>
+              <a:rPr lang="en-US" altLang="ko-KR" sz="1400" b="0" dirty="0">
+                <a:solidFill>
+                  <a:srgbClr val="CC9B00"/>
+                </a:solidFill>
+                <a:effectLst/>
+                <a:latin typeface="ubuntu mono derivative powerline" panose="020B0509030602030204" pitchFamily="49" charset="0"/>
+              </a:rPr>
+              <a:t>import</a:t>
+            </a:r>
+            <a:r>
+              <a:rPr lang="en-US" altLang="ko-KR" sz="1400" b="0" dirty="0">
+                <a:effectLst/>
+                <a:latin typeface="ubuntu mono derivative powerline" panose="020B0509030602030204" pitchFamily="49" charset="0"/>
+              </a:rPr>
+              <a:t> </a:t>
+            </a:r>
+            <a:r>
+              <a:rPr lang="en-US" altLang="ko-KR" sz="1400" b="0" dirty="0">
+                <a:solidFill>
+                  <a:srgbClr val="7030A0"/>
+                </a:solidFill>
+                <a:effectLst/>
+                <a:latin typeface="ubuntu mono derivative powerline" panose="020B0509030602030204" pitchFamily="49" charset="0"/>
+              </a:rPr>
+              <a:t>cv2</a:t>
+            </a:r>
+          </a:p>
+          <a:p>
+            <a:br>
+              <a:rPr lang="en-US" altLang="ko-KR" sz="1400" b="0" dirty="0">
+                <a:effectLst/>
+                <a:latin typeface="ubuntu mono derivative powerline" panose="020B0509030602030204" pitchFamily="49" charset="0"/>
+              </a:rPr>
+            </a:br>
+            <a:r>
+              <a:rPr lang="en-US" altLang="ko-KR" sz="1400" b="0" dirty="0">
+                <a:effectLst/>
+                <a:latin typeface="ubuntu mono derivative powerline" panose="020B0509030602030204" pitchFamily="49" charset="0"/>
+              </a:rPr>
+              <a:t>def </a:t>
+            </a:r>
+            <a:r>
+              <a:rPr lang="en-US" altLang="ko-KR" sz="1400" b="0" dirty="0" err="1">
+                <a:solidFill>
+                  <a:srgbClr val="0000FF"/>
+                </a:solidFill>
+                <a:effectLst/>
+                <a:latin typeface="ubuntu mono derivative powerline" panose="020B0509030602030204" pitchFamily="49" charset="0"/>
+              </a:rPr>
+              <a:t>onChange</a:t>
+            </a:r>
+            <a:r>
+              <a:rPr lang="en-US" altLang="ko-KR" sz="1400" b="0" dirty="0">
+                <a:effectLst/>
+                <a:latin typeface="ubuntu mono derivative powerline" panose="020B0509030602030204" pitchFamily="49" charset="0"/>
+              </a:rPr>
+              <a:t>(value):</a:t>
+            </a:r>
+          </a:p>
+          <a:p>
+            <a:r>
+              <a:rPr lang="en-US" altLang="ko-KR" sz="1400" b="0" dirty="0">
+                <a:effectLst/>
+                <a:latin typeface="ubuntu mono derivative powerline" panose="020B0509030602030204" pitchFamily="49" charset="0"/>
+              </a:rPr>
+              <a:t>    </a:t>
+            </a:r>
+            <a:r>
+              <a:rPr lang="en-US" altLang="ko-KR" sz="1400" b="0" dirty="0">
+                <a:solidFill>
+                  <a:srgbClr val="0000FF"/>
+                </a:solidFill>
+                <a:effectLst/>
+                <a:latin typeface="ubuntu mono derivative powerline" panose="020B0509030602030204" pitchFamily="49" charset="0"/>
+              </a:rPr>
+              <a:t>global</a:t>
+            </a:r>
+            <a:r>
+              <a:rPr lang="en-US" altLang="ko-KR" sz="1400" b="0" dirty="0">
+                <a:effectLst/>
+                <a:latin typeface="ubuntu mono derivative powerline" panose="020B0509030602030204" pitchFamily="49" charset="0"/>
+              </a:rPr>
+              <a:t> image, title</a:t>
+            </a:r>
+          </a:p>
+          <a:p>
+            <a:r>
+              <a:rPr lang="en-US" altLang="ko-KR" sz="1400" b="0" dirty="0">
+                <a:effectLst/>
+                <a:latin typeface="ubuntu mono derivative powerline" panose="020B0509030602030204" pitchFamily="49" charset="0"/>
+              </a:rPr>
+              <a:t>    image[:] = value</a:t>
+            </a:r>
+          </a:p>
+          <a:p>
+            <a:r>
+              <a:rPr lang="en-US" altLang="ko-KR" sz="1400" b="0" dirty="0">
+                <a:effectLst/>
+                <a:latin typeface="ubuntu mono derivative powerline" panose="020B0509030602030204" pitchFamily="49" charset="0"/>
+              </a:rPr>
+              <a:t>    </a:t>
+            </a:r>
+            <a:r>
+              <a:rPr lang="en-US" altLang="ko-KR" sz="1400" b="0" dirty="0">
+                <a:solidFill>
+                  <a:srgbClr val="7030A0"/>
+                </a:solidFill>
+                <a:effectLst/>
+                <a:latin typeface="ubuntu mono derivative powerline" panose="020B0509030602030204" pitchFamily="49" charset="0"/>
+              </a:rPr>
+              <a:t>cv2</a:t>
+            </a:r>
+            <a:r>
+              <a:rPr lang="en-US" altLang="ko-KR" sz="1400" b="0" dirty="0">
+                <a:effectLst/>
+                <a:latin typeface="ubuntu mono derivative powerline" panose="020B0509030602030204" pitchFamily="49" charset="0"/>
+              </a:rPr>
+              <a:t>.</a:t>
+            </a:r>
+            <a:r>
+              <a:rPr lang="en-US" altLang="ko-KR" sz="1400" b="0" dirty="0">
+                <a:solidFill>
+                  <a:srgbClr val="0000FF"/>
+                </a:solidFill>
+                <a:effectLst/>
+                <a:latin typeface="ubuntu mono derivative powerline" panose="020B0509030602030204" pitchFamily="49" charset="0"/>
+              </a:rPr>
+              <a:t>imshow</a:t>
+            </a:r>
+            <a:r>
+              <a:rPr lang="en-US" altLang="ko-KR" sz="1400" b="0" dirty="0">
+                <a:effectLst/>
+                <a:latin typeface="ubuntu mono derivative powerline" panose="020B0509030602030204" pitchFamily="49" charset="0"/>
+              </a:rPr>
+              <a:t>(title, image)</a:t>
+            </a:r>
+          </a:p>
+          <a:p>
+            <a:br>
+              <a:rPr lang="en-US" altLang="ko-KR" sz="1400" b="0" dirty="0">
+                <a:effectLst/>
+                <a:latin typeface="ubuntu mono derivative powerline" panose="020B0509030602030204" pitchFamily="49" charset="0"/>
+              </a:rPr>
+            </a:br>
+            <a:r>
+              <a:rPr lang="en-US" altLang="ko-KR" sz="1400" b="0" dirty="0">
+                <a:effectLst/>
+                <a:latin typeface="ubuntu mono derivative powerline" panose="020B0509030602030204" pitchFamily="49" charset="0"/>
+              </a:rPr>
+              <a:t>image = </a:t>
+            </a:r>
+            <a:r>
+              <a:rPr lang="en-US" altLang="ko-KR" sz="1400" b="0" dirty="0" err="1">
+                <a:solidFill>
+                  <a:srgbClr val="7030A0"/>
+                </a:solidFill>
+                <a:effectLst/>
+                <a:latin typeface="ubuntu mono derivative powerline" panose="020B0509030602030204" pitchFamily="49" charset="0"/>
+              </a:rPr>
+              <a:t>np</a:t>
+            </a:r>
+            <a:r>
+              <a:rPr lang="en-US" altLang="ko-KR" sz="1400" b="0" dirty="0" err="1">
+                <a:effectLst/>
+                <a:latin typeface="ubuntu mono derivative powerline" panose="020B0509030602030204" pitchFamily="49" charset="0"/>
+              </a:rPr>
+              <a:t>.</a:t>
+            </a:r>
+            <a:r>
+              <a:rPr lang="en-US" altLang="ko-KR" sz="1400" b="0" dirty="0" err="1">
+                <a:solidFill>
+                  <a:srgbClr val="0000FF"/>
+                </a:solidFill>
+                <a:effectLst/>
+                <a:latin typeface="ubuntu mono derivative powerline" panose="020B0509030602030204" pitchFamily="49" charset="0"/>
+              </a:rPr>
+              <a:t>zeros</a:t>
+            </a:r>
+            <a:r>
+              <a:rPr lang="en-US" altLang="ko-KR" sz="1400" b="0" dirty="0">
+                <a:effectLst/>
+                <a:latin typeface="ubuntu mono derivative powerline" panose="020B0509030602030204" pitchFamily="49" charset="0"/>
+              </a:rPr>
+              <a:t>((300, 500), </a:t>
+            </a:r>
+            <a:r>
+              <a:rPr lang="en-US" altLang="ko-KR" sz="1400" b="0" dirty="0">
+                <a:solidFill>
+                  <a:srgbClr val="7030A0"/>
+                </a:solidFill>
+                <a:effectLst/>
+                <a:latin typeface="ubuntu mono derivative powerline" panose="020B0509030602030204" pitchFamily="49" charset="0"/>
+              </a:rPr>
+              <a:t>np</a:t>
+            </a:r>
+            <a:r>
+              <a:rPr lang="en-US" altLang="ko-KR" sz="1400" b="0" dirty="0">
+                <a:effectLst/>
+                <a:latin typeface="ubuntu mono derivative powerline" panose="020B0509030602030204" pitchFamily="49" charset="0"/>
+              </a:rPr>
+              <a:t>.uint8)</a:t>
+            </a:r>
+          </a:p>
+          <a:p>
+            <a:r>
+              <a:rPr lang="en-US" altLang="ko-KR" sz="1400" dirty="0">
+                <a:latin typeface="ubuntu mono derivative powerline" panose="020B0509030602030204" pitchFamily="49" charset="0"/>
+              </a:rPr>
+              <a:t>i</a:t>
+            </a:r>
+            <a:r>
+              <a:rPr lang="en-US" altLang="ko-KR" sz="1400" b="0" dirty="0">
+                <a:effectLst/>
+                <a:latin typeface="ubuntu mono derivative powerline" panose="020B0509030602030204" pitchFamily="49" charset="0"/>
+              </a:rPr>
+              <a:t>mage[:] = 150</a:t>
+            </a:r>
+          </a:p>
+          <a:p>
+            <a:r>
+              <a:rPr lang="en-US" altLang="ko-KR" sz="1400" b="0" dirty="0">
+                <a:effectLst/>
+                <a:latin typeface="ubuntu mono derivative powerline" panose="020B0509030602030204" pitchFamily="49" charset="0"/>
+              </a:rPr>
+              <a:t>title = "Trackbar Event"</a:t>
+            </a:r>
+          </a:p>
+          <a:p>
+            <a:endParaRPr lang="en-US" altLang="ko-KR" sz="1400" b="0" dirty="0">
+              <a:solidFill>
+                <a:srgbClr val="7030A0"/>
+              </a:solidFill>
+              <a:effectLst/>
+              <a:latin typeface="ubuntu mono derivative powerline" panose="020B0509030602030204" pitchFamily="49" charset="0"/>
+            </a:endParaRPr>
+          </a:p>
+          <a:p>
+            <a:r>
+              <a:rPr lang="en-US" altLang="ko-KR" sz="1400" b="0" dirty="0">
+                <a:solidFill>
+                  <a:srgbClr val="7030A0"/>
+                </a:solidFill>
+                <a:effectLst/>
+                <a:latin typeface="ubuntu mono derivative powerline" panose="020B0509030602030204" pitchFamily="49" charset="0"/>
+              </a:rPr>
+              <a:t>cv2</a:t>
+            </a:r>
+            <a:r>
+              <a:rPr lang="en-US" altLang="ko-KR" sz="1400" b="0" dirty="0">
+                <a:effectLst/>
+                <a:latin typeface="ubuntu mono derivative powerline" panose="020B0509030602030204" pitchFamily="49" charset="0"/>
+              </a:rPr>
+              <a:t>.</a:t>
+            </a:r>
+            <a:r>
+              <a:rPr lang="en-US" altLang="ko-KR" sz="1400" b="0" dirty="0">
+                <a:solidFill>
+                  <a:srgbClr val="0000FF"/>
+                </a:solidFill>
+                <a:effectLst/>
+                <a:latin typeface="ubuntu mono derivative powerline" panose="020B0509030602030204" pitchFamily="49" charset="0"/>
+              </a:rPr>
+              <a:t>imshow</a:t>
+            </a:r>
+            <a:r>
+              <a:rPr lang="en-US" altLang="ko-KR" sz="1400" b="0" dirty="0">
+                <a:effectLst/>
+                <a:latin typeface="ubuntu mono derivative powerline" panose="020B0509030602030204" pitchFamily="49" charset="0"/>
+              </a:rPr>
+              <a:t>(title, image)</a:t>
+            </a:r>
+            <a:br>
+              <a:rPr lang="en-US" altLang="ko-KR" sz="1400" b="0" dirty="0">
+                <a:effectLst/>
+                <a:latin typeface="ubuntu mono derivative powerline" panose="020B0509030602030204" pitchFamily="49" charset="0"/>
+              </a:rPr>
+            </a:br>
+            <a:r>
+              <a:rPr lang="en-US" altLang="ko-KR" sz="1400" b="0" dirty="0">
+                <a:solidFill>
+                  <a:srgbClr val="7030A0"/>
+                </a:solidFill>
+                <a:effectLst/>
+                <a:latin typeface="ubuntu mono derivative powerline" panose="020B0509030602030204" pitchFamily="49" charset="0"/>
+              </a:rPr>
+              <a:t>cv2</a:t>
+            </a:r>
+            <a:r>
+              <a:rPr lang="en-US" altLang="ko-KR" sz="1400" b="0" dirty="0">
+                <a:effectLst/>
+                <a:latin typeface="ubuntu mono derivative powerline" panose="020B0509030602030204" pitchFamily="49" charset="0"/>
+              </a:rPr>
+              <a:t>.</a:t>
+            </a:r>
+            <a:r>
+              <a:rPr lang="en-US" altLang="ko-KR" sz="1400" b="0" dirty="0">
+                <a:solidFill>
+                  <a:srgbClr val="0000FF"/>
+                </a:solidFill>
+                <a:effectLst/>
+                <a:latin typeface="ubuntu mono derivative powerline" panose="020B0509030602030204" pitchFamily="49" charset="0"/>
+              </a:rPr>
+              <a:t>createTrackbar</a:t>
+            </a:r>
+            <a:r>
+              <a:rPr lang="en-US" altLang="ko-KR" sz="1400" b="0" dirty="0">
+                <a:effectLst/>
+                <a:latin typeface="ubuntu mono derivative powerline" panose="020B0509030602030204" pitchFamily="49" charset="0"/>
+              </a:rPr>
+              <a:t>("Brightness", title, </a:t>
+            </a:r>
+            <a:r>
+              <a:rPr lang="en-US" altLang="ko-KR" sz="1400" b="0" dirty="0">
+                <a:solidFill>
+                  <a:srgbClr val="FF0000"/>
+                </a:solidFill>
+                <a:effectLst/>
+                <a:latin typeface="ubuntu mono derivative powerline" panose="020B0509030602030204" pitchFamily="49" charset="0"/>
+              </a:rPr>
+              <a:t>image[0][0]</a:t>
+            </a:r>
+            <a:r>
+              <a:rPr lang="en-US" altLang="ko-KR" sz="1400" b="0" dirty="0">
+                <a:effectLst/>
+                <a:latin typeface="ubuntu mono derivative powerline" panose="020B0509030602030204" pitchFamily="49" charset="0"/>
+              </a:rPr>
+              <a:t>, 255, </a:t>
+            </a:r>
+            <a:r>
+              <a:rPr lang="en-US" altLang="ko-KR" sz="1400" b="0" dirty="0" err="1">
+                <a:effectLst/>
+                <a:latin typeface="ubuntu mono derivative powerline" panose="020B0509030602030204" pitchFamily="49" charset="0"/>
+              </a:rPr>
+              <a:t>onChange</a:t>
+            </a:r>
+            <a:r>
+              <a:rPr lang="en-US" altLang="ko-KR" sz="1400" b="0" dirty="0">
+                <a:effectLst/>
+                <a:latin typeface="ubuntu mono derivative powerline" panose="020B0509030602030204" pitchFamily="49" charset="0"/>
+              </a:rPr>
+              <a:t>)</a:t>
+            </a:r>
+          </a:p>
+          <a:p>
+            <a:r>
+              <a:rPr lang="en-US" altLang="ko-KR" sz="1400" b="0" dirty="0">
+                <a:solidFill>
+                  <a:srgbClr val="7030A0"/>
+                </a:solidFill>
+                <a:effectLst/>
+                <a:latin typeface="ubuntu mono derivative powerline" panose="020B0509030602030204" pitchFamily="49" charset="0"/>
+              </a:rPr>
+              <a:t>cv2</a:t>
+            </a:r>
+            <a:r>
+              <a:rPr lang="en-US" altLang="ko-KR" sz="1400" b="0" dirty="0">
+                <a:effectLst/>
+                <a:latin typeface="ubuntu mono derivative powerline" panose="020B0509030602030204" pitchFamily="49" charset="0"/>
+              </a:rPr>
+              <a:t>.</a:t>
+            </a:r>
+            <a:r>
+              <a:rPr lang="en-US" altLang="ko-KR" sz="1400" b="0" dirty="0">
+                <a:solidFill>
+                  <a:srgbClr val="0000FF"/>
+                </a:solidFill>
+                <a:effectLst/>
+                <a:latin typeface="ubuntu mono derivative powerline" panose="020B0509030602030204" pitchFamily="49" charset="0"/>
+              </a:rPr>
+              <a:t>waitKey</a:t>
+            </a:r>
+            <a:r>
+              <a:rPr lang="en-US" altLang="ko-KR" sz="1400" b="0" dirty="0">
+                <a:effectLst/>
+                <a:latin typeface="ubuntu mono derivative powerline" panose="020B0509030602030204" pitchFamily="49" charset="0"/>
+              </a:rPr>
+              <a:t>(0)</a:t>
+            </a:r>
+          </a:p>
+          <a:p>
+            <a:r>
+              <a:rPr lang="en-US" altLang="ko-KR" sz="1400" b="0" dirty="0">
+                <a:solidFill>
+                  <a:srgbClr val="7030A0"/>
+                </a:solidFill>
+                <a:effectLst/>
+                <a:latin typeface="ubuntu mono derivative powerline" panose="020B0509030602030204" pitchFamily="49" charset="0"/>
+              </a:rPr>
+              <a:t>cv2</a:t>
+            </a:r>
+            <a:r>
+              <a:rPr lang="en-US" altLang="ko-KR" sz="1400" b="0" dirty="0">
+                <a:effectLst/>
+                <a:latin typeface="ubuntu mono derivative powerline" panose="020B0509030602030204" pitchFamily="49" charset="0"/>
+              </a:rPr>
+              <a:t>.</a:t>
+            </a:r>
+            <a:r>
+              <a:rPr lang="en-US" altLang="ko-KR" sz="1400" b="0" dirty="0">
+                <a:solidFill>
+                  <a:srgbClr val="0000FF"/>
+                </a:solidFill>
+                <a:effectLst/>
+                <a:latin typeface="ubuntu mono derivative powerline" panose="020B0509030602030204" pitchFamily="49" charset="0"/>
+              </a:rPr>
+              <a:t>destroyAllWindows</a:t>
+            </a:r>
+            <a:r>
+              <a:rPr lang="en-US" altLang="ko-KR" sz="1400" b="0" dirty="0">
+                <a:effectLst/>
+                <a:latin typeface="ubuntu mono derivative powerline" panose="020B0509030602030204" pitchFamily="49" charset="0"/>
+              </a:rPr>
+              <a:t>()</a:t>
+            </a:r>
+          </a:p>
+        </p:txBody>
+      </p:sp>
+      <p:sp>
+        <p:nvSpPr>
+          <p:cNvPr id="8" name="직사각형 7">
+            <a:extLst>
+              <a:ext uri="{FF2B5EF4-FFF2-40B4-BE49-F238E27FC236}">
+                <a16:creationId xmlns:a16="http://schemas.microsoft.com/office/drawing/2014/main" id="{0933AEA5-EFF1-0981-5E4D-C16611A9F4FC}"/>
+              </a:ext>
+            </a:extLst>
+          </p:cNvPr>
+          <p:cNvSpPr/>
+          <p:nvPr/>
+        </p:nvSpPr>
+        <p:spPr>
+          <a:xfrm>
+            <a:off x="4266717" y="3957499"/>
+            <a:ext cx="2537531" cy="338554"/>
+          </a:xfrm>
+          <a:prstGeom prst="rect">
+            <a:avLst/>
+          </a:prstGeom>
+        </p:spPr>
+        <p:txBody>
+          <a:bodyPr wrap="square">
+            <a:spAutoFit/>
+          </a:bodyPr>
+          <a:lstStyle/>
+          <a:p>
+            <a:r>
+              <a:rPr lang="en-US" altLang="ko-KR" sz="1600" dirty="0">
+                <a:solidFill>
+                  <a:srgbClr val="00B050"/>
+                </a:solidFill>
+                <a:latin typeface="ubuntu mono derivative powerline" panose="020B0509030602030204" pitchFamily="49" charset="0"/>
+              </a:rPr>
+              <a:t># </a:t>
+            </a:r>
+            <a:r>
+              <a:rPr lang="ko-KR" altLang="en-US" sz="1600" dirty="0">
+                <a:solidFill>
+                  <a:srgbClr val="00B050"/>
+                </a:solidFill>
+                <a:latin typeface="ubuntu mono derivative powerline" panose="020B0509030602030204" pitchFamily="49" charset="0"/>
+              </a:rPr>
+              <a:t>현재 이미지 색상 지정</a:t>
+            </a:r>
+            <a:endParaRPr lang="en-US" altLang="ko-KR" sz="1600" dirty="0">
+              <a:solidFill>
+                <a:srgbClr val="00B050"/>
+              </a:solidFill>
+              <a:latin typeface="ubuntu mono derivative powerline" panose="020B0509030602030204" pitchFamily="49" charset="0"/>
+            </a:endParaRPr>
+          </a:p>
+        </p:txBody>
+      </p:sp>
+      <p:sp>
+        <p:nvSpPr>
+          <p:cNvPr id="6" name="직사각형 5">
+            <a:extLst>
+              <a:ext uri="{FF2B5EF4-FFF2-40B4-BE49-F238E27FC236}">
+                <a16:creationId xmlns:a16="http://schemas.microsoft.com/office/drawing/2014/main" id="{A9687B13-9B89-76F3-53FE-5EDF690A57E7}"/>
+              </a:ext>
+            </a:extLst>
+          </p:cNvPr>
+          <p:cNvSpPr/>
+          <p:nvPr/>
+        </p:nvSpPr>
+        <p:spPr>
+          <a:xfrm>
+            <a:off x="4355976" y="5104630"/>
+            <a:ext cx="3240360" cy="584775"/>
+          </a:xfrm>
+          <a:prstGeom prst="rect">
+            <a:avLst/>
+          </a:prstGeom>
+        </p:spPr>
+        <p:txBody>
+          <a:bodyPr wrap="square">
+            <a:spAutoFit/>
+          </a:bodyPr>
+          <a:lstStyle/>
+          <a:p>
+            <a:r>
+              <a:rPr lang="ko-KR" altLang="en-US" sz="1600" dirty="0">
+                <a:solidFill>
+                  <a:srgbClr val="FF0000"/>
+                </a:solidFill>
+                <a:latin typeface="ubuntu mono derivative powerline" panose="020B0509030602030204" pitchFamily="49" charset="0"/>
+              </a:rPr>
+              <a:t>지정된 이미지 색상 가져와서</a:t>
+            </a:r>
+            <a:endParaRPr lang="en-US" altLang="ko-KR" sz="1600" dirty="0">
+              <a:solidFill>
+                <a:srgbClr val="FF0000"/>
+              </a:solidFill>
+              <a:latin typeface="ubuntu mono derivative powerline" panose="020B0509030602030204" pitchFamily="49" charset="0"/>
+            </a:endParaRPr>
+          </a:p>
+          <a:p>
+            <a:r>
+              <a:rPr lang="ko-KR" altLang="en-US" sz="1600" dirty="0" err="1">
+                <a:solidFill>
+                  <a:srgbClr val="FF0000"/>
+                </a:solidFill>
+                <a:latin typeface="ubuntu mono derivative powerline" panose="020B0509030602030204" pitchFamily="49" charset="0"/>
+              </a:rPr>
+              <a:t>트랙바</a:t>
+            </a:r>
+            <a:r>
+              <a:rPr lang="ko-KR" altLang="en-US" sz="1600" dirty="0">
+                <a:solidFill>
+                  <a:srgbClr val="FF0000"/>
+                </a:solidFill>
+                <a:latin typeface="ubuntu mono derivative powerline" panose="020B0509030602030204" pitchFamily="49" charset="0"/>
+              </a:rPr>
+              <a:t> 위치 </a:t>
+            </a:r>
+            <a:r>
+              <a:rPr lang="ko-KR" altLang="en-US" sz="1600" dirty="0" err="1">
+                <a:solidFill>
+                  <a:srgbClr val="FF0000"/>
+                </a:solidFill>
+                <a:latin typeface="ubuntu mono derivative powerline" panose="020B0509030602030204" pitchFamily="49" charset="0"/>
+              </a:rPr>
+              <a:t>시작값으로</a:t>
+            </a:r>
+            <a:r>
+              <a:rPr lang="ko-KR" altLang="en-US" sz="1600" dirty="0">
+                <a:solidFill>
+                  <a:srgbClr val="FF0000"/>
+                </a:solidFill>
+                <a:latin typeface="ubuntu mono derivative powerline" panose="020B0509030602030204" pitchFamily="49" charset="0"/>
+              </a:rPr>
+              <a:t> 지정</a:t>
+            </a:r>
+            <a:endParaRPr lang="en-US" altLang="ko-KR" sz="1600" dirty="0">
+              <a:solidFill>
+                <a:srgbClr val="FF0000"/>
+              </a:solidFill>
+              <a:latin typeface="ubuntu mono derivative powerline" panose="020B0509030602030204" pitchFamily="49" charset="0"/>
+            </a:endParaRPr>
+          </a:p>
+        </p:txBody>
+      </p:sp>
+    </p:spTree>
+    <p:extLst>
+      <p:ext uri="{BB962C8B-B14F-4D97-AF65-F5344CB8AC3E}">
+        <p14:creationId xmlns:p14="http://schemas.microsoft.com/office/powerpoint/2010/main" val="1739409623"/>
+      </p:ext>
+    </p:extLst>
+  </p:cSld>
+  <p:clrMapOvr>
+    <a:masterClrMapping/>
+  </p:clrMapOvr>
+</p:sld>
+</file>
+
+<file path=ppt/slides/slide26.xml><?xml version="1.0" encoding="utf-8"?>
+<p:sld xmlns:a="http://schemas.openxmlformats.org/drawingml/2006/main" xmlns:r="http://schemas.openxmlformats.org/officeDocument/2006/relationships" xmlns:p="http://schemas.openxmlformats.org/presentationml/2006/main">
+  <p:cSld>
+    <p:spTree>
+      <p:nvGrpSpPr>
+        <p:cNvPr id="1" name=""/>
+        <p:cNvGrpSpPr/>
+        <p:nvPr/>
+      </p:nvGrpSpPr>
+      <p:grpSpPr>
+        <a:xfrm>
+          <a:off x="0" y="0"/>
+          <a:ext cx="0" cy="0"/>
+          <a:chOff x="0" y="0"/>
+          <a:chExt cx="0" cy="0"/>
+        </a:xfrm>
+      </p:grpSpPr>
+      <p:sp>
+        <p:nvSpPr>
+          <p:cNvPr id="2" name="제목 1"/>
+          <p:cNvSpPr>
+            <a:spLocks noGrp="1"/>
+          </p:cNvSpPr>
+          <p:nvPr>
+            <p:ph type="title"/>
+          </p:nvPr>
+        </p:nvSpPr>
+        <p:spPr/>
+        <p:txBody>
+          <a:bodyPr/>
+          <a:lstStyle/>
+          <a:p>
+            <a:r>
+              <a:rPr lang="en-US" altLang="ko-KR" dirty="0"/>
+              <a:t>4. </a:t>
+            </a:r>
+            <a:r>
+              <a:rPr lang="ko-KR" altLang="en-US" dirty="0"/>
+              <a:t>인터페이스 기초</a:t>
+            </a:r>
+          </a:p>
+        </p:txBody>
+      </p:sp>
+      <p:sp>
+        <p:nvSpPr>
+          <p:cNvPr id="3" name="내용 개체 틀 2"/>
+          <p:cNvSpPr>
+            <a:spLocks noGrp="1"/>
+          </p:cNvSpPr>
+          <p:nvPr>
+            <p:ph idx="1"/>
+          </p:nvPr>
+        </p:nvSpPr>
+        <p:spPr/>
+        <p:txBody>
+          <a:bodyPr>
+            <a:normAutofit/>
+          </a:bodyPr>
+          <a:lstStyle/>
+          <a:p>
+            <a:r>
+              <a:rPr lang="en-US" altLang="ko-KR" dirty="0"/>
+              <a:t>4.3 </a:t>
+            </a:r>
+            <a:r>
+              <a:rPr lang="ko-KR" altLang="en-US" dirty="0"/>
+              <a:t>그리기 함수</a:t>
+            </a:r>
+            <a:endParaRPr lang="en-US" altLang="ko-KR" dirty="0"/>
+          </a:p>
+          <a:p>
+            <a:pPr lvl="1"/>
+            <a:r>
+              <a:rPr lang="en-US" altLang="ko-KR" dirty="0"/>
+              <a:t>4.3.1 </a:t>
+            </a:r>
+            <a:r>
+              <a:rPr lang="ko-KR" altLang="en-US" dirty="0"/>
+              <a:t>직선 및 </a:t>
+            </a:r>
+            <a:r>
+              <a:rPr lang="ko-KR" altLang="en-US"/>
+              <a:t>사각형 그리기</a:t>
+            </a:r>
+            <a:endParaRPr lang="en-US" altLang="ko-KR" dirty="0"/>
+          </a:p>
+        </p:txBody>
+      </p:sp>
+      <p:sp>
+        <p:nvSpPr>
+          <p:cNvPr id="4" name="직사각형 3">
+            <a:extLst>
+              <a:ext uri="{FF2B5EF4-FFF2-40B4-BE49-F238E27FC236}">
+                <a16:creationId xmlns:a16="http://schemas.microsoft.com/office/drawing/2014/main" id="{64FCAE03-D95D-374F-6DE9-F428C178B308}"/>
+              </a:ext>
+            </a:extLst>
+          </p:cNvPr>
+          <p:cNvSpPr/>
+          <p:nvPr/>
+        </p:nvSpPr>
+        <p:spPr>
+          <a:xfrm>
+            <a:off x="827584" y="2065412"/>
+            <a:ext cx="6120680" cy="3323987"/>
+          </a:xfrm>
+          <a:prstGeom prst="rect">
+            <a:avLst/>
+          </a:prstGeom>
+        </p:spPr>
+        <p:txBody>
+          <a:bodyPr wrap="square">
+            <a:spAutoFit/>
+          </a:bodyPr>
+          <a:lstStyle/>
+          <a:p>
+            <a:r>
+              <a:rPr lang="en-US" altLang="ko-KR" sz="1400" b="0" dirty="0">
+                <a:solidFill>
+                  <a:srgbClr val="CC9B00"/>
+                </a:solidFill>
+                <a:effectLst/>
+                <a:latin typeface="ubuntu mono derivative powerline" panose="020B0509030602030204" pitchFamily="49" charset="0"/>
+              </a:rPr>
+              <a:t>import</a:t>
+            </a:r>
+            <a:r>
+              <a:rPr lang="en-US" altLang="ko-KR" sz="1400" b="0" dirty="0">
+                <a:effectLst/>
+                <a:latin typeface="ubuntu mono derivative powerline" panose="020B0509030602030204" pitchFamily="49" charset="0"/>
+              </a:rPr>
+              <a:t> </a:t>
+            </a:r>
+            <a:r>
+              <a:rPr lang="en-US" altLang="ko-KR" sz="1400" b="0" dirty="0" err="1">
+                <a:solidFill>
+                  <a:srgbClr val="7030A0"/>
+                </a:solidFill>
+                <a:effectLst/>
+                <a:latin typeface="ubuntu mono derivative powerline" panose="020B0509030602030204" pitchFamily="49" charset="0"/>
+              </a:rPr>
+              <a:t>numpy</a:t>
+            </a:r>
+            <a:r>
+              <a:rPr lang="en-US" altLang="ko-KR" sz="1400" b="0" dirty="0">
+                <a:effectLst/>
+                <a:latin typeface="ubuntu mono derivative powerline" panose="020B0509030602030204" pitchFamily="49" charset="0"/>
+              </a:rPr>
+              <a:t> </a:t>
+            </a:r>
+            <a:r>
+              <a:rPr lang="en-US" altLang="ko-KR" sz="1400" b="0" dirty="0">
+                <a:solidFill>
+                  <a:srgbClr val="CC9B00"/>
+                </a:solidFill>
+                <a:effectLst/>
+                <a:latin typeface="ubuntu mono derivative powerline" panose="020B0509030602030204" pitchFamily="49" charset="0"/>
+              </a:rPr>
+              <a:t>as</a:t>
+            </a:r>
+            <a:r>
+              <a:rPr lang="en-US" altLang="ko-KR" sz="1400" b="0" dirty="0">
+                <a:effectLst/>
+                <a:latin typeface="ubuntu mono derivative powerline" panose="020B0509030602030204" pitchFamily="49" charset="0"/>
+              </a:rPr>
+              <a:t> </a:t>
+            </a:r>
+            <a:r>
+              <a:rPr lang="en-US" altLang="ko-KR" sz="1400" b="0" dirty="0">
+                <a:solidFill>
+                  <a:srgbClr val="7030A0"/>
+                </a:solidFill>
+                <a:effectLst/>
+                <a:latin typeface="ubuntu mono derivative powerline" panose="020B0509030602030204" pitchFamily="49" charset="0"/>
+              </a:rPr>
+              <a:t>np</a:t>
+            </a:r>
+          </a:p>
+          <a:p>
+            <a:r>
+              <a:rPr lang="en-US" altLang="ko-KR" sz="1400" b="0" dirty="0">
+                <a:solidFill>
+                  <a:srgbClr val="CC9B00"/>
+                </a:solidFill>
+                <a:effectLst/>
+                <a:latin typeface="ubuntu mono derivative powerline" panose="020B0509030602030204" pitchFamily="49" charset="0"/>
+              </a:rPr>
+              <a:t>import</a:t>
+            </a:r>
+            <a:r>
+              <a:rPr lang="en-US" altLang="ko-KR" sz="1400" b="0" dirty="0">
+                <a:effectLst/>
+                <a:latin typeface="ubuntu mono derivative powerline" panose="020B0509030602030204" pitchFamily="49" charset="0"/>
+              </a:rPr>
+              <a:t> </a:t>
+            </a:r>
+            <a:r>
+              <a:rPr lang="en-US" altLang="ko-KR" sz="1400" b="0" dirty="0">
+                <a:solidFill>
+                  <a:srgbClr val="7030A0"/>
+                </a:solidFill>
+                <a:effectLst/>
+                <a:latin typeface="ubuntu mono derivative powerline" panose="020B0509030602030204" pitchFamily="49" charset="0"/>
+              </a:rPr>
+              <a:t>cv2</a:t>
+            </a:r>
+          </a:p>
+          <a:p>
+            <a:br>
+              <a:rPr lang="en-US" altLang="ko-KR" sz="1400" b="0" dirty="0">
+                <a:effectLst/>
+                <a:latin typeface="ubuntu mono derivative powerline" panose="020B0509030602030204" pitchFamily="49" charset="0"/>
+              </a:rPr>
+            </a:br>
+            <a:r>
+              <a:rPr lang="en-US" altLang="ko-KR" sz="1400" b="0" dirty="0">
+                <a:effectLst/>
+                <a:latin typeface="ubuntu mono derivative powerline" panose="020B0509030602030204" pitchFamily="49" charset="0"/>
+              </a:rPr>
+              <a:t>def </a:t>
+            </a:r>
+            <a:r>
+              <a:rPr lang="en-US" altLang="ko-KR" sz="1400" b="0" dirty="0" err="1">
+                <a:solidFill>
+                  <a:srgbClr val="0000FF"/>
+                </a:solidFill>
+                <a:effectLst/>
+                <a:latin typeface="ubuntu mono derivative powerline" panose="020B0509030602030204" pitchFamily="49" charset="0"/>
+              </a:rPr>
+              <a:t>onChange</a:t>
+            </a:r>
+            <a:r>
+              <a:rPr lang="en-US" altLang="ko-KR" sz="1400" b="0" dirty="0">
+                <a:effectLst/>
+                <a:latin typeface="ubuntu mono derivative powerline" panose="020B0509030602030204" pitchFamily="49" charset="0"/>
+              </a:rPr>
+              <a:t>(value):</a:t>
+            </a:r>
+          </a:p>
+          <a:p>
+            <a:r>
+              <a:rPr lang="en-US" altLang="ko-KR" sz="1400" b="0" dirty="0">
+                <a:effectLst/>
+                <a:latin typeface="ubuntu mono derivative powerline" panose="020B0509030602030204" pitchFamily="49" charset="0"/>
+              </a:rPr>
+              <a:t>    </a:t>
+            </a:r>
+            <a:r>
+              <a:rPr lang="en-US" altLang="ko-KR" sz="1400" b="0" dirty="0">
+                <a:solidFill>
+                  <a:srgbClr val="0000FF"/>
+                </a:solidFill>
+                <a:effectLst/>
+                <a:latin typeface="ubuntu mono derivative powerline" panose="020B0509030602030204" pitchFamily="49" charset="0"/>
+              </a:rPr>
+              <a:t>global</a:t>
+            </a:r>
+            <a:r>
+              <a:rPr lang="en-US" altLang="ko-KR" sz="1400" b="0" dirty="0">
+                <a:effectLst/>
+                <a:latin typeface="ubuntu mono derivative powerline" panose="020B0509030602030204" pitchFamily="49" charset="0"/>
+              </a:rPr>
+              <a:t> image, title</a:t>
+            </a:r>
+          </a:p>
+          <a:p>
+            <a:r>
+              <a:rPr lang="en-US" altLang="ko-KR" sz="1400" b="0" dirty="0">
+                <a:effectLst/>
+                <a:latin typeface="ubuntu mono derivative powerline" panose="020B0509030602030204" pitchFamily="49" charset="0"/>
+              </a:rPr>
+              <a:t>    image[:] = value</a:t>
+            </a:r>
+          </a:p>
+          <a:p>
+            <a:r>
+              <a:rPr lang="en-US" altLang="ko-KR" sz="1400" b="0" dirty="0">
+                <a:effectLst/>
+                <a:latin typeface="ubuntu mono derivative powerline" panose="020B0509030602030204" pitchFamily="49" charset="0"/>
+              </a:rPr>
+              <a:t>    </a:t>
+            </a:r>
+            <a:r>
+              <a:rPr lang="en-US" altLang="ko-KR" sz="1400" b="0" dirty="0">
+                <a:solidFill>
+                  <a:srgbClr val="7030A0"/>
+                </a:solidFill>
+                <a:effectLst/>
+                <a:latin typeface="ubuntu mono derivative powerline" panose="020B0509030602030204" pitchFamily="49" charset="0"/>
+              </a:rPr>
+              <a:t>cv2</a:t>
+            </a:r>
+            <a:r>
+              <a:rPr lang="en-US" altLang="ko-KR" sz="1400" b="0" dirty="0">
+                <a:effectLst/>
+                <a:latin typeface="ubuntu mono derivative powerline" panose="020B0509030602030204" pitchFamily="49" charset="0"/>
+              </a:rPr>
+              <a:t>.</a:t>
+            </a:r>
+            <a:r>
+              <a:rPr lang="en-US" altLang="ko-KR" sz="1400" b="0" dirty="0">
+                <a:solidFill>
+                  <a:srgbClr val="0000FF"/>
+                </a:solidFill>
+                <a:effectLst/>
+                <a:latin typeface="ubuntu mono derivative powerline" panose="020B0509030602030204" pitchFamily="49" charset="0"/>
+              </a:rPr>
+              <a:t>imshow</a:t>
+            </a:r>
+            <a:r>
+              <a:rPr lang="en-US" altLang="ko-KR" sz="1400" b="0" dirty="0">
+                <a:effectLst/>
+                <a:latin typeface="ubuntu mono derivative powerline" panose="020B0509030602030204" pitchFamily="49" charset="0"/>
+              </a:rPr>
+              <a:t>(title, image)</a:t>
+            </a:r>
+          </a:p>
+          <a:p>
+            <a:br>
+              <a:rPr lang="en-US" altLang="ko-KR" sz="1400" b="0" dirty="0">
+                <a:effectLst/>
+                <a:latin typeface="ubuntu mono derivative powerline" panose="020B0509030602030204" pitchFamily="49" charset="0"/>
+              </a:rPr>
+            </a:br>
+            <a:r>
+              <a:rPr lang="en-US" altLang="ko-KR" sz="1400" b="0" dirty="0">
+                <a:effectLst/>
+                <a:latin typeface="ubuntu mono derivative powerline" panose="020B0509030602030204" pitchFamily="49" charset="0"/>
+              </a:rPr>
+              <a:t>image = </a:t>
+            </a:r>
+            <a:r>
+              <a:rPr lang="en-US" altLang="ko-KR" sz="1400" b="0" dirty="0" err="1">
+                <a:solidFill>
+                  <a:srgbClr val="7030A0"/>
+                </a:solidFill>
+                <a:effectLst/>
+                <a:latin typeface="ubuntu mono derivative powerline" panose="020B0509030602030204" pitchFamily="49" charset="0"/>
+              </a:rPr>
+              <a:t>np</a:t>
+            </a:r>
+            <a:r>
+              <a:rPr lang="en-US" altLang="ko-KR" sz="1400" b="0" dirty="0" err="1">
+                <a:effectLst/>
+                <a:latin typeface="ubuntu mono derivative powerline" panose="020B0509030602030204" pitchFamily="49" charset="0"/>
+              </a:rPr>
+              <a:t>.</a:t>
+            </a:r>
+            <a:r>
+              <a:rPr lang="en-US" altLang="ko-KR" sz="1400" b="0" dirty="0" err="1">
+                <a:solidFill>
+                  <a:srgbClr val="0000FF"/>
+                </a:solidFill>
+                <a:effectLst/>
+                <a:latin typeface="ubuntu mono derivative powerline" panose="020B0509030602030204" pitchFamily="49" charset="0"/>
+              </a:rPr>
+              <a:t>zeros</a:t>
+            </a:r>
+            <a:r>
+              <a:rPr lang="en-US" altLang="ko-KR" sz="1400" b="0" dirty="0">
+                <a:effectLst/>
+                <a:latin typeface="ubuntu mono derivative powerline" panose="020B0509030602030204" pitchFamily="49" charset="0"/>
+              </a:rPr>
+              <a:t>((300, 500), </a:t>
+            </a:r>
+            <a:r>
+              <a:rPr lang="en-US" altLang="ko-KR" sz="1400" b="0" dirty="0">
+                <a:solidFill>
+                  <a:srgbClr val="7030A0"/>
+                </a:solidFill>
+                <a:effectLst/>
+                <a:latin typeface="ubuntu mono derivative powerline" panose="020B0509030602030204" pitchFamily="49" charset="0"/>
+              </a:rPr>
+              <a:t>np</a:t>
+            </a:r>
+            <a:r>
+              <a:rPr lang="en-US" altLang="ko-KR" sz="1400" b="0" dirty="0">
+                <a:effectLst/>
+                <a:latin typeface="ubuntu mono derivative powerline" panose="020B0509030602030204" pitchFamily="49" charset="0"/>
+              </a:rPr>
+              <a:t>.uint8)</a:t>
+            </a:r>
+          </a:p>
+          <a:p>
+            <a:r>
+              <a:rPr lang="en-US" altLang="ko-KR" sz="1400" b="0" dirty="0">
+                <a:effectLst/>
+                <a:latin typeface="ubuntu mono derivative powerline" panose="020B0509030602030204" pitchFamily="49" charset="0"/>
+              </a:rPr>
+              <a:t>title = "Trackbar Event"</a:t>
+            </a:r>
+          </a:p>
+          <a:p>
+            <a:endParaRPr lang="en-US" altLang="ko-KR" sz="1400" b="0" dirty="0">
+              <a:effectLst/>
+              <a:latin typeface="ubuntu mono derivative powerline" panose="020B0509030602030204" pitchFamily="49" charset="0"/>
+            </a:endParaRPr>
+          </a:p>
+          <a:p>
+            <a:r>
+              <a:rPr lang="en-US" altLang="ko-KR" sz="1400" b="0" dirty="0">
+                <a:solidFill>
+                  <a:srgbClr val="7030A0"/>
+                </a:solidFill>
+                <a:effectLst/>
+                <a:latin typeface="ubuntu mono derivative powerline" panose="020B0509030602030204" pitchFamily="49" charset="0"/>
+              </a:rPr>
+              <a:t>cv2</a:t>
+            </a:r>
+            <a:r>
+              <a:rPr lang="en-US" altLang="ko-KR" sz="1400" b="0" dirty="0">
+                <a:effectLst/>
+                <a:latin typeface="ubuntu mono derivative powerline" panose="020B0509030602030204" pitchFamily="49" charset="0"/>
+              </a:rPr>
+              <a:t>.</a:t>
+            </a:r>
+            <a:r>
+              <a:rPr lang="en-US" altLang="ko-KR" sz="1400" b="0" dirty="0">
+                <a:solidFill>
+                  <a:srgbClr val="0000FF"/>
+                </a:solidFill>
+                <a:effectLst/>
+                <a:latin typeface="ubuntu mono derivative powerline" panose="020B0509030602030204" pitchFamily="49" charset="0"/>
+              </a:rPr>
+              <a:t>imshow</a:t>
+            </a:r>
+            <a:r>
+              <a:rPr lang="en-US" altLang="ko-KR" sz="1400" b="0" dirty="0">
+                <a:effectLst/>
+                <a:latin typeface="ubuntu mono derivative powerline" panose="020B0509030602030204" pitchFamily="49" charset="0"/>
+              </a:rPr>
+              <a:t>(title, image)</a:t>
+            </a:r>
+            <a:br>
+              <a:rPr lang="en-US" altLang="ko-KR" sz="1400" b="0" dirty="0">
+                <a:effectLst/>
+                <a:latin typeface="ubuntu mono derivative powerline" panose="020B0509030602030204" pitchFamily="49" charset="0"/>
+              </a:rPr>
+            </a:br>
+            <a:r>
+              <a:rPr lang="en-US" altLang="ko-KR" sz="1400" b="0" dirty="0">
+                <a:solidFill>
+                  <a:srgbClr val="7030A0"/>
+                </a:solidFill>
+                <a:effectLst/>
+                <a:latin typeface="ubuntu mono derivative powerline" panose="020B0509030602030204" pitchFamily="49" charset="0"/>
+              </a:rPr>
+              <a:t>cv2</a:t>
+            </a:r>
+            <a:r>
+              <a:rPr lang="en-US" altLang="ko-KR" sz="1400" b="0" dirty="0">
+                <a:effectLst/>
+                <a:latin typeface="ubuntu mono derivative powerline" panose="020B0509030602030204" pitchFamily="49" charset="0"/>
+              </a:rPr>
+              <a:t>.</a:t>
+            </a:r>
+            <a:r>
+              <a:rPr lang="en-US" altLang="ko-KR" sz="1400" b="0" dirty="0">
+                <a:solidFill>
+                  <a:srgbClr val="0000FF"/>
+                </a:solidFill>
+                <a:effectLst/>
+                <a:latin typeface="ubuntu mono derivative powerline" panose="020B0509030602030204" pitchFamily="49" charset="0"/>
+              </a:rPr>
+              <a:t>createTrackbar</a:t>
+            </a:r>
+            <a:r>
+              <a:rPr lang="en-US" altLang="ko-KR" sz="1400" b="0" dirty="0">
+                <a:effectLst/>
+                <a:latin typeface="ubuntu mono derivative powerline" panose="020B0509030602030204" pitchFamily="49" charset="0"/>
+              </a:rPr>
+              <a:t>("Brightness", title, image[0][0], 255, </a:t>
+            </a:r>
+            <a:r>
+              <a:rPr lang="en-US" altLang="ko-KR" sz="1400" b="0" dirty="0" err="1">
+                <a:effectLst/>
+                <a:latin typeface="ubuntu mono derivative powerline" panose="020B0509030602030204" pitchFamily="49" charset="0"/>
+              </a:rPr>
+              <a:t>onChange</a:t>
+            </a:r>
+            <a:r>
+              <a:rPr lang="en-US" altLang="ko-KR" sz="1400" b="0" dirty="0">
+                <a:effectLst/>
+                <a:latin typeface="ubuntu mono derivative powerline" panose="020B0509030602030204" pitchFamily="49" charset="0"/>
+              </a:rPr>
+              <a:t>)</a:t>
+            </a:r>
+          </a:p>
+          <a:p>
+            <a:r>
+              <a:rPr lang="en-US" altLang="ko-KR" sz="1400" b="0" dirty="0">
+                <a:solidFill>
+                  <a:srgbClr val="7030A0"/>
+                </a:solidFill>
+                <a:effectLst/>
+                <a:latin typeface="ubuntu mono derivative powerline" panose="020B0509030602030204" pitchFamily="49" charset="0"/>
+              </a:rPr>
+              <a:t>cv2</a:t>
+            </a:r>
+            <a:r>
+              <a:rPr lang="en-US" altLang="ko-KR" sz="1400" b="0" dirty="0">
+                <a:effectLst/>
+                <a:latin typeface="ubuntu mono derivative powerline" panose="020B0509030602030204" pitchFamily="49" charset="0"/>
+              </a:rPr>
+              <a:t>.</a:t>
+            </a:r>
+            <a:r>
+              <a:rPr lang="en-US" altLang="ko-KR" sz="1400" b="0" dirty="0">
+                <a:solidFill>
+                  <a:srgbClr val="0000FF"/>
+                </a:solidFill>
+                <a:effectLst/>
+                <a:latin typeface="ubuntu mono derivative powerline" panose="020B0509030602030204" pitchFamily="49" charset="0"/>
+              </a:rPr>
+              <a:t>waitKey</a:t>
+            </a:r>
+            <a:r>
+              <a:rPr lang="en-US" altLang="ko-KR" sz="1400" b="0" dirty="0">
+                <a:effectLst/>
+                <a:latin typeface="ubuntu mono derivative powerline" panose="020B0509030602030204" pitchFamily="49" charset="0"/>
+              </a:rPr>
+              <a:t>(0)</a:t>
+            </a:r>
+          </a:p>
+          <a:p>
+            <a:r>
+              <a:rPr lang="en-US" altLang="ko-KR" sz="1400" b="0" dirty="0">
+                <a:solidFill>
+                  <a:srgbClr val="7030A0"/>
+                </a:solidFill>
+                <a:effectLst/>
+                <a:latin typeface="ubuntu mono derivative powerline" panose="020B0509030602030204" pitchFamily="49" charset="0"/>
+              </a:rPr>
+              <a:t>cv2</a:t>
+            </a:r>
+            <a:r>
+              <a:rPr lang="en-US" altLang="ko-KR" sz="1400" b="0" dirty="0">
+                <a:effectLst/>
+                <a:latin typeface="ubuntu mono derivative powerline" panose="020B0509030602030204" pitchFamily="49" charset="0"/>
+              </a:rPr>
+              <a:t>.</a:t>
+            </a:r>
+            <a:r>
+              <a:rPr lang="en-US" altLang="ko-KR" sz="1400" b="0" dirty="0">
+                <a:solidFill>
+                  <a:srgbClr val="0000FF"/>
+                </a:solidFill>
+                <a:effectLst/>
+                <a:latin typeface="ubuntu mono derivative powerline" panose="020B0509030602030204" pitchFamily="49" charset="0"/>
+              </a:rPr>
+              <a:t>destroyAllWindows</a:t>
+            </a:r>
+            <a:r>
+              <a:rPr lang="en-US" altLang="ko-KR" sz="1400" b="0" dirty="0">
+                <a:effectLst/>
+                <a:latin typeface="ubuntu mono derivative powerline" panose="020B0509030602030204" pitchFamily="49" charset="0"/>
+              </a:rPr>
+              <a:t>()</a:t>
+            </a:r>
+          </a:p>
+        </p:txBody>
+      </p:sp>
+      <p:sp>
+        <p:nvSpPr>
+          <p:cNvPr id="5" name="직사각형 4">
+            <a:extLst>
+              <a:ext uri="{FF2B5EF4-FFF2-40B4-BE49-F238E27FC236}">
+                <a16:creationId xmlns:a16="http://schemas.microsoft.com/office/drawing/2014/main" id="{18E87BEF-4642-04F1-8919-760E4C166064}"/>
+              </a:ext>
+            </a:extLst>
+          </p:cNvPr>
+          <p:cNvSpPr/>
+          <p:nvPr/>
+        </p:nvSpPr>
+        <p:spPr>
+          <a:xfrm>
+            <a:off x="1259632" y="3217540"/>
+            <a:ext cx="1471993" cy="196992"/>
+          </a:xfrm>
+          <a:prstGeom prst="rect">
+            <a:avLst/>
+          </a:prstGeom>
+          <a:solidFill>
+            <a:srgbClr val="FFFFFF"/>
+          </a:solidFill>
+          <a:ln>
+            <a:solidFill>
+              <a:srgbClr val="0000FF"/>
+            </a:solidFill>
+          </a:ln>
+        </p:spPr>
+        <p:style>
+          <a:lnRef idx="2">
+            <a:schemeClr val="accent1">
+              <a:shade val="50000"/>
+            </a:schemeClr>
+          </a:lnRef>
+          <a:fillRef idx="1">
+            <a:schemeClr val="accent1"/>
+          </a:fillRef>
+          <a:effectRef idx="0">
+            <a:schemeClr val="accent1"/>
+          </a:effectRef>
+          <a:fontRef idx="minor">
+            <a:schemeClr val="lt1"/>
+          </a:fontRef>
+        </p:style>
+        <p:txBody>
+          <a:bodyPr rtlCol="0" anchor="ctr"/>
+          <a:lstStyle/>
+          <a:p>
+            <a:pPr algn="ctr"/>
+            <a:endParaRPr lang="ko-KR" altLang="en-US"/>
+          </a:p>
+        </p:txBody>
+      </p:sp>
+      <p:sp>
+        <p:nvSpPr>
+          <p:cNvPr id="8" name="직사각형 7">
+            <a:extLst>
+              <a:ext uri="{FF2B5EF4-FFF2-40B4-BE49-F238E27FC236}">
+                <a16:creationId xmlns:a16="http://schemas.microsoft.com/office/drawing/2014/main" id="{0933AEA5-EFF1-0981-5E4D-C16611A9F4FC}"/>
+              </a:ext>
+            </a:extLst>
+          </p:cNvPr>
+          <p:cNvSpPr/>
+          <p:nvPr/>
+        </p:nvSpPr>
+        <p:spPr>
+          <a:xfrm>
+            <a:off x="3635896" y="3100973"/>
+            <a:ext cx="4896544" cy="338554"/>
+          </a:xfrm>
+          <a:prstGeom prst="rect">
+            <a:avLst/>
+          </a:prstGeom>
+        </p:spPr>
+        <p:txBody>
+          <a:bodyPr wrap="square">
+            <a:spAutoFit/>
+          </a:bodyPr>
+          <a:lstStyle/>
+          <a:p>
+            <a:r>
+              <a:rPr lang="en-US" altLang="ko-KR" sz="1600" dirty="0">
+                <a:solidFill>
+                  <a:srgbClr val="00B050"/>
+                </a:solidFill>
+                <a:latin typeface="ubuntu mono derivative powerline" panose="020B0509030602030204" pitchFamily="49" charset="0"/>
+              </a:rPr>
+              <a:t># </a:t>
+            </a:r>
+            <a:r>
+              <a:rPr lang="ko-KR" altLang="en-US" sz="1600" dirty="0" err="1">
+                <a:solidFill>
+                  <a:srgbClr val="00B050"/>
+                </a:solidFill>
+                <a:latin typeface="ubuntu mono derivative powerline" panose="020B0509030602030204" pitchFamily="49" charset="0"/>
+              </a:rPr>
+              <a:t>트랙바</a:t>
+            </a:r>
+            <a:r>
+              <a:rPr lang="ko-KR" altLang="en-US" sz="1600" dirty="0">
+                <a:solidFill>
+                  <a:srgbClr val="00B050"/>
+                </a:solidFill>
+                <a:latin typeface="ubuntu mono derivative powerline" panose="020B0509030602030204" pitchFamily="49" charset="0"/>
+              </a:rPr>
+              <a:t> 제어로 인해 변경되는 이미지 색상 적용 </a:t>
+            </a:r>
+            <a:endParaRPr lang="en-US" altLang="ko-KR" sz="1600" dirty="0">
+              <a:solidFill>
+                <a:srgbClr val="00B050"/>
+              </a:solidFill>
+              <a:latin typeface="ubuntu mono derivative powerline" panose="020B0509030602030204" pitchFamily="49" charset="0"/>
+            </a:endParaRPr>
+          </a:p>
+        </p:txBody>
+      </p:sp>
+    </p:spTree>
+    <p:extLst>
+      <p:ext uri="{BB962C8B-B14F-4D97-AF65-F5344CB8AC3E}">
+        <p14:creationId xmlns:p14="http://schemas.microsoft.com/office/powerpoint/2010/main" val="730320533"/>
+      </p:ext>
+    </p:extLst>
+  </p:cSld>
+  <p:clrMapOvr>
+    <a:masterClrMapping/>
+  </p:clrMapOvr>
+  <p:timing>
+    <p:tnLst>
+      <p:par>
+        <p:cTn id="1" dur="indefinite" restart="never" nodeType="tmRoot">
+          <p:childTnLst>
+            <p:seq concurrent="1" nextAc="seek">
+              <p:cTn id="2" dur="indefinite" nodeType="mainSeq">
+                <p:childTnLst>
+                  <p:par>
+                    <p:cTn id="3" fill="hold">
+                      <p:stCondLst>
+                        <p:cond delay="indefinite"/>
+                      </p:stCondLst>
+                      <p:childTnLst>
+                        <p:par>
+                          <p:cTn id="4" fill="hold">
+                            <p:stCondLst>
+                              <p:cond delay="0"/>
+                            </p:stCondLst>
+                            <p:childTnLst>
+                              <p:par>
+                                <p:cTn id="5" presetID="1" presetClass="exit" presetSubtype="0" fill="hold" grpId="0" nodeType="clickEffect">
+                                  <p:stCondLst>
+                                    <p:cond delay="0"/>
+                                  </p:stCondLst>
+                                  <p:childTnLst>
+                                    <p:set>
+                                      <p:cBhvr>
+                                        <p:cTn id="6" dur="1" fill="hold">
+                                          <p:stCondLst>
+                                            <p:cond delay="0"/>
+                                          </p:stCondLst>
+                                        </p:cTn>
+                                        <p:tgtEl>
+                                          <p:spTgt spid="5"/>
+                                        </p:tgtEl>
+                                        <p:attrNameLst>
+                                          <p:attrName>style.visibility</p:attrName>
+                                        </p:attrNameLst>
+                                      </p:cBhvr>
+                                      <p:to>
+                                        <p:strVal val="hidden"/>
+                                      </p:to>
+                                    </p:set>
+                                  </p:childTnLst>
+                                </p:cTn>
+                              </p:par>
+                            </p:childTnLst>
+                          </p:cTn>
+                        </p:par>
+                      </p:childTnLst>
+                    </p:cTn>
+                  </p:par>
+                </p:childTnLst>
+              </p:cTn>
+              <p:prevCondLst>
+                <p:cond evt="onPrev" delay="0">
+                  <p:tgtEl>
+                    <p:sldTgt/>
+                  </p:tgtEl>
+                </p:cond>
+              </p:prevCondLst>
+              <p:nextCondLst>
+                <p:cond evt="onNext" delay="0">
+                  <p:tgtEl>
+                    <p:sldTgt/>
+                  </p:tgtEl>
+                </p:cond>
+              </p:nextCondLst>
+            </p:seq>
+          </p:childTnLst>
+        </p:cTn>
+      </p:par>
+    </p:tnLst>
+    <p:bldLst>
+      <p:bldP spid="5" grpId="0" animBg="1"/>
+    </p:bldLst>
+  </p:timing>
 </p:sld>
 </file>
 

--- a/2022-09-27/documents/CH_03, 04_파이썬 기초_실습3, 사용자 인터페이스 및 IO처리.pptx
+++ b/2022-09-27/documents/CH_03, 04_파이썬 기초_실습3, 사용자 인터페이스 및 IO처리.pptx
@@ -5,10 +5,10 @@
     <p:sldMasterId id="2147483970" r:id="rId1"/>
   </p:sldMasterIdLst>
   <p:notesMasterIdLst>
-    <p:notesMasterId r:id="rId28"/>
+    <p:notesMasterId r:id="rId29"/>
   </p:notesMasterIdLst>
   <p:handoutMasterIdLst>
-    <p:handoutMasterId r:id="rId29"/>
+    <p:handoutMasterId r:id="rId30"/>
   </p:handoutMasterIdLst>
   <p:sldIdLst>
     <p:sldId id="256" r:id="rId2"/>
@@ -36,7 +36,8 @@
     <p:sldId id="403" r:id="rId24"/>
     <p:sldId id="404" r:id="rId25"/>
     <p:sldId id="405" r:id="rId26"/>
-    <p:sldId id="406" r:id="rId27"/>
+    <p:sldId id="407" r:id="rId27"/>
+    <p:sldId id="406" r:id="rId28"/>
   </p:sldIdLst>
   <p:sldSz cx="9144000" cy="5715000" type="screen16x10"/>
   <p:notesSz cx="7104063" cy="10234613"/>
@@ -21027,11 +21028,7 @@
             </a:r>
             <a:r>
               <a:rPr lang="ko-KR" altLang="en-US" dirty="0"/>
-              <a:t>직선 및 </a:t>
-            </a:r>
-            <a:r>
-              <a:rPr lang="ko-KR" altLang="en-US"/>
-              <a:t>사각형 그리기</a:t>
+              <a:t>직선 및 사각형 그리기</a:t>
             </a:r>
             <a:endParaRPr lang="en-US" altLang="ko-KR" dirty="0"/>
           </a:p>
@@ -21052,7 +21049,7 @@
         <p:spPr>
           <a:xfrm>
             <a:off x="827584" y="2065412"/>
-            <a:ext cx="6120680" cy="3323987"/>
+            <a:ext cx="6120680" cy="2554545"/>
           </a:xfrm>
           <a:prstGeom prst="rect">
             <a:avLst/>
@@ -21065,7 +21062,7 @@
           <a:lstStyle/>
           <a:p>
             <a:r>
-              <a:rPr lang="en-US" altLang="ko-KR" sz="1400" b="0" dirty="0">
+              <a:rPr lang="en-US" altLang="ko-KR" sz="1600" b="0" dirty="0">
                 <a:solidFill>
                   <a:srgbClr val="CC9B00"/>
                 </a:solidFill>
@@ -21075,14 +21072,14 @@
               <a:t>import</a:t>
             </a:r>
             <a:r>
-              <a:rPr lang="en-US" altLang="ko-KR" sz="1400" b="0" dirty="0">
+              <a:rPr lang="en-US" altLang="ko-KR" sz="1600" b="0" dirty="0">
                 <a:effectLst/>
                 <a:latin typeface="ubuntu mono derivative powerline" panose="020B0509030602030204" pitchFamily="49" charset="0"/>
               </a:rPr>
               <a:t> </a:t>
             </a:r>
             <a:r>
-              <a:rPr lang="en-US" altLang="ko-KR" sz="1400" b="0" dirty="0" err="1">
+              <a:rPr lang="en-US" altLang="ko-KR" sz="1600" b="0" dirty="0" err="1">
                 <a:solidFill>
                   <a:srgbClr val="7030A0"/>
                 </a:solidFill>
@@ -21092,14 +21089,14 @@
               <a:t>numpy</a:t>
             </a:r>
             <a:r>
-              <a:rPr lang="en-US" altLang="ko-KR" sz="1400" b="0" dirty="0">
+              <a:rPr lang="en-US" altLang="ko-KR" sz="1600" b="0" dirty="0">
                 <a:effectLst/>
                 <a:latin typeface="ubuntu mono derivative powerline" panose="020B0509030602030204" pitchFamily="49" charset="0"/>
               </a:rPr>
               <a:t> </a:t>
             </a:r>
             <a:r>
-              <a:rPr lang="en-US" altLang="ko-KR" sz="1400" b="0" dirty="0">
+              <a:rPr lang="en-US" altLang="ko-KR" sz="1600" b="0" dirty="0">
                 <a:solidFill>
                   <a:srgbClr val="CC9B00"/>
                 </a:solidFill>
@@ -21109,14 +21106,14 @@
               <a:t>as</a:t>
             </a:r>
             <a:r>
-              <a:rPr lang="en-US" altLang="ko-KR" sz="1400" b="0" dirty="0">
+              <a:rPr lang="en-US" altLang="ko-KR" sz="1600" b="0" dirty="0">
                 <a:effectLst/>
                 <a:latin typeface="ubuntu mono derivative powerline" panose="020B0509030602030204" pitchFamily="49" charset="0"/>
               </a:rPr>
               <a:t> </a:t>
             </a:r>
             <a:r>
-              <a:rPr lang="en-US" altLang="ko-KR" sz="1400" b="0" dirty="0">
+              <a:rPr lang="en-US" altLang="ko-KR" sz="1600" b="0" dirty="0">
                 <a:solidFill>
                   <a:srgbClr val="7030A0"/>
                 </a:solidFill>
@@ -21128,7 +21125,7 @@
           </a:p>
           <a:p>
             <a:r>
-              <a:rPr lang="en-US" altLang="ko-KR" sz="1400" b="0" dirty="0">
+              <a:rPr lang="en-US" altLang="ko-KR" sz="1600" b="0" dirty="0">
                 <a:solidFill>
                   <a:srgbClr val="CC9B00"/>
                 </a:solidFill>
@@ -21138,14 +21135,14 @@
               <a:t>import</a:t>
             </a:r>
             <a:r>
-              <a:rPr lang="en-US" altLang="ko-KR" sz="1400" b="0" dirty="0">
+              <a:rPr lang="en-US" altLang="ko-KR" sz="1600" b="0" dirty="0">
                 <a:effectLst/>
                 <a:latin typeface="ubuntu mono derivative powerline" panose="020B0509030602030204" pitchFamily="49" charset="0"/>
               </a:rPr>
               <a:t> </a:t>
             </a:r>
             <a:r>
-              <a:rPr lang="en-US" altLang="ko-KR" sz="1400" b="0" dirty="0">
+              <a:rPr lang="en-US" altLang="ko-KR" sz="1600" b="0" dirty="0">
                 <a:solidFill>
                   <a:srgbClr val="7030A0"/>
                 </a:solidFill>
@@ -21157,365 +21154,233 @@
           </a:p>
           <a:p>
             <a:br>
-              <a:rPr lang="en-US" altLang="ko-KR" sz="1400" b="0" dirty="0">
+              <a:rPr lang="en-US" altLang="ko-KR" sz="1600" b="0" dirty="0">
                 <a:effectLst/>
                 <a:latin typeface="ubuntu mono derivative powerline" panose="020B0509030602030204" pitchFamily="49" charset="0"/>
               </a:rPr>
             </a:br>
             <a:r>
-              <a:rPr lang="en-US" altLang="ko-KR" sz="1400" b="0" dirty="0">
-                <a:effectLst/>
-                <a:latin typeface="ubuntu mono derivative powerline" panose="020B0509030602030204" pitchFamily="49" charset="0"/>
-              </a:rPr>
-              <a:t>def </a:t>
-            </a:r>
-            <a:r>
-              <a:rPr lang="en-US" altLang="ko-KR" sz="1400" b="0" dirty="0" err="1">
+              <a:rPr lang="en-US" altLang="ko-KR" sz="1600" b="0" dirty="0">
+                <a:effectLst/>
+                <a:latin typeface="ubuntu mono derivative powerline" panose="020B0509030602030204" pitchFamily="49" charset="0"/>
+              </a:rPr>
+              <a:t>blue, green, red = (255, 0, 0), (0, 255, 0), (0, 0, 255)</a:t>
+            </a:r>
+          </a:p>
+          <a:p>
+            <a:r>
+              <a:rPr lang="en-US" altLang="ko-KR" sz="1600" b="0" dirty="0">
+                <a:effectLst/>
+                <a:latin typeface="ubuntu mono derivative powerline" panose="020B0509030602030204" pitchFamily="49" charset="0"/>
+              </a:rPr>
+              <a:t>image = </a:t>
+            </a:r>
+            <a:r>
+              <a:rPr lang="en-US" altLang="ko-KR" sz="1600" b="0" dirty="0" err="1">
+                <a:solidFill>
+                  <a:srgbClr val="7030A0"/>
+                </a:solidFill>
+                <a:effectLst/>
+                <a:latin typeface="ubuntu mono derivative powerline" panose="020B0509030602030204" pitchFamily="49" charset="0"/>
+              </a:rPr>
+              <a:t>np</a:t>
+            </a:r>
+            <a:r>
+              <a:rPr lang="en-US" altLang="ko-KR" sz="1600" b="0" dirty="0" err="1">
+                <a:effectLst/>
+                <a:latin typeface="ubuntu mono derivative powerline" panose="020B0509030602030204" pitchFamily="49" charset="0"/>
+              </a:rPr>
+              <a:t>.</a:t>
+            </a:r>
+            <a:r>
+              <a:rPr lang="en-US" altLang="ko-KR" sz="1600" b="0" dirty="0" err="1">
                 <a:solidFill>
                   <a:srgbClr val="0000FF"/>
                 </a:solidFill>
                 <a:effectLst/>
                 <a:latin typeface="ubuntu mono derivative powerline" panose="020B0509030602030204" pitchFamily="49" charset="0"/>
               </a:rPr>
-              <a:t>onChange</a:t>
-            </a:r>
-            <a:r>
-              <a:rPr lang="en-US" altLang="ko-KR" sz="1400" b="0" dirty="0">
-                <a:effectLst/>
-                <a:latin typeface="ubuntu mono derivative powerline" panose="020B0509030602030204" pitchFamily="49" charset="0"/>
-              </a:rPr>
-              <a:t>(value):</a:t>
-            </a:r>
-          </a:p>
-          <a:p>
-            <a:r>
-              <a:rPr lang="en-US" altLang="ko-KR" sz="1400" b="0" dirty="0">
-                <a:effectLst/>
-                <a:latin typeface="ubuntu mono derivative powerline" panose="020B0509030602030204" pitchFamily="49" charset="0"/>
-              </a:rPr>
-              <a:t>    </a:t>
-            </a:r>
-            <a:r>
-              <a:rPr lang="en-US" altLang="ko-KR" sz="1400" b="0" dirty="0">
-                <a:solidFill>
-                  <a:srgbClr val="0000FF"/>
-                </a:solidFill>
-                <a:effectLst/>
-                <a:latin typeface="ubuntu mono derivative powerline" panose="020B0509030602030204" pitchFamily="49" charset="0"/>
-              </a:rPr>
-              <a:t>global</a:t>
-            </a:r>
-            <a:r>
-              <a:rPr lang="en-US" altLang="ko-KR" sz="1400" b="0" dirty="0">
-                <a:effectLst/>
-                <a:latin typeface="ubuntu mono derivative powerline" panose="020B0509030602030204" pitchFamily="49" charset="0"/>
-              </a:rPr>
-              <a:t> image, title</a:t>
-            </a:r>
-          </a:p>
-          <a:p>
-            <a:r>
-              <a:rPr lang="en-US" altLang="ko-KR" sz="1400" b="0" dirty="0">
-                <a:effectLst/>
-                <a:latin typeface="ubuntu mono derivative powerline" panose="020B0509030602030204" pitchFamily="49" charset="0"/>
-              </a:rPr>
-              <a:t>    image[:] = value</a:t>
-            </a:r>
-          </a:p>
-          <a:p>
-            <a:r>
-              <a:rPr lang="en-US" altLang="ko-KR" sz="1400" b="0" dirty="0">
-                <a:effectLst/>
-                <a:latin typeface="ubuntu mono derivative powerline" panose="020B0509030602030204" pitchFamily="49" charset="0"/>
-              </a:rPr>
-              <a:t>    </a:t>
-            </a:r>
-            <a:r>
-              <a:rPr lang="en-US" altLang="ko-KR" sz="1400" b="0" dirty="0">
+              <a:t>zeros</a:t>
+            </a:r>
+            <a:r>
+              <a:rPr lang="en-US" altLang="ko-KR" sz="1600" b="0" dirty="0">
+                <a:effectLst/>
+                <a:latin typeface="ubuntu mono derivative powerline" panose="020B0509030602030204" pitchFamily="49" charset="0"/>
+              </a:rPr>
+              <a:t>((400, 600, 3), </a:t>
+            </a:r>
+            <a:r>
+              <a:rPr lang="en-US" altLang="ko-KR" sz="1600" b="0" dirty="0">
                 <a:solidFill>
                   <a:srgbClr val="7030A0"/>
                 </a:solidFill>
                 <a:effectLst/>
                 <a:latin typeface="ubuntu mono derivative powerline" panose="020B0509030602030204" pitchFamily="49" charset="0"/>
               </a:rPr>
-              <a:t>cv2</a:t>
-            </a:r>
-            <a:r>
-              <a:rPr lang="en-US" altLang="ko-KR" sz="1400" b="0" dirty="0">
-                <a:effectLst/>
-                <a:latin typeface="ubuntu mono derivative powerline" panose="020B0509030602030204" pitchFamily="49" charset="0"/>
-              </a:rPr>
-              <a:t>.</a:t>
-            </a:r>
-            <a:r>
-              <a:rPr lang="en-US" altLang="ko-KR" sz="1400" b="0" dirty="0">
-                <a:solidFill>
-                  <a:srgbClr val="0000FF"/>
-                </a:solidFill>
-                <a:effectLst/>
-                <a:latin typeface="ubuntu mono derivative powerline" panose="020B0509030602030204" pitchFamily="49" charset="0"/>
-              </a:rPr>
-              <a:t>imshow</a:t>
-            </a:r>
-            <a:r>
-              <a:rPr lang="en-US" altLang="ko-KR" sz="1400" b="0" dirty="0">
-                <a:effectLst/>
-                <a:latin typeface="ubuntu mono derivative powerline" panose="020B0509030602030204" pitchFamily="49" charset="0"/>
-              </a:rPr>
-              <a:t>(title, image)</a:t>
+              <a:t>np</a:t>
+            </a:r>
+            <a:r>
+              <a:rPr lang="en-US" altLang="ko-KR" sz="1600" b="0" dirty="0">
+                <a:effectLst/>
+                <a:latin typeface="ubuntu mono derivative powerline" panose="020B0509030602030204" pitchFamily="49" charset="0"/>
+              </a:rPr>
+              <a:t>.uint8)</a:t>
+            </a:r>
+          </a:p>
+          <a:p>
+            <a:r>
+              <a:rPr lang="en-US" altLang="ko-KR" sz="1600" b="0" dirty="0">
+                <a:effectLst/>
+                <a:latin typeface="ubuntu mono derivative powerline" panose="020B0509030602030204" pitchFamily="49" charset="0"/>
+              </a:rPr>
+              <a:t>image[:] = (255, 255, 255)</a:t>
             </a:r>
           </a:p>
           <a:p>
             <a:br>
-              <a:rPr lang="en-US" altLang="ko-KR" sz="1400" b="0" dirty="0">
+              <a:rPr lang="en-US" altLang="ko-KR" sz="1600" b="0" dirty="0">
                 <a:effectLst/>
                 <a:latin typeface="ubuntu mono derivative powerline" panose="020B0509030602030204" pitchFamily="49" charset="0"/>
               </a:rPr>
             </a:br>
             <a:r>
-              <a:rPr lang="en-US" altLang="ko-KR" sz="1400" b="0" dirty="0">
-                <a:effectLst/>
-                <a:latin typeface="ubuntu mono derivative powerline" panose="020B0509030602030204" pitchFamily="49" charset="0"/>
-              </a:rPr>
-              <a:t>image = </a:t>
-            </a:r>
-            <a:r>
-              <a:rPr lang="en-US" altLang="ko-KR" sz="1400" b="0" dirty="0" err="1">
-                <a:solidFill>
-                  <a:srgbClr val="7030A0"/>
-                </a:solidFill>
-                <a:effectLst/>
-                <a:latin typeface="ubuntu mono derivative powerline" panose="020B0509030602030204" pitchFamily="49" charset="0"/>
-              </a:rPr>
-              <a:t>np</a:t>
-            </a:r>
-            <a:r>
-              <a:rPr lang="en-US" altLang="ko-KR" sz="1400" b="0" dirty="0" err="1">
-                <a:effectLst/>
-                <a:latin typeface="ubuntu mono derivative powerline" panose="020B0509030602030204" pitchFamily="49" charset="0"/>
-              </a:rPr>
-              <a:t>.</a:t>
-            </a:r>
-            <a:r>
-              <a:rPr lang="en-US" altLang="ko-KR" sz="1400" b="0" dirty="0" err="1">
-                <a:solidFill>
-                  <a:srgbClr val="0000FF"/>
-                </a:solidFill>
-                <a:effectLst/>
-                <a:latin typeface="ubuntu mono derivative powerline" panose="020B0509030602030204" pitchFamily="49" charset="0"/>
-              </a:rPr>
-              <a:t>zeros</a:t>
-            </a:r>
-            <a:r>
-              <a:rPr lang="en-US" altLang="ko-KR" sz="1400" b="0" dirty="0">
-                <a:effectLst/>
-                <a:latin typeface="ubuntu mono derivative powerline" panose="020B0509030602030204" pitchFamily="49" charset="0"/>
-              </a:rPr>
-              <a:t>((300, 500), </a:t>
-            </a:r>
-            <a:r>
-              <a:rPr lang="en-US" altLang="ko-KR" sz="1400" b="0" dirty="0">
-                <a:solidFill>
-                  <a:srgbClr val="7030A0"/>
-                </a:solidFill>
-                <a:effectLst/>
-                <a:latin typeface="ubuntu mono derivative powerline" panose="020B0509030602030204" pitchFamily="49" charset="0"/>
-              </a:rPr>
-              <a:t>np</a:t>
-            </a:r>
-            <a:r>
-              <a:rPr lang="en-US" altLang="ko-KR" sz="1400" b="0" dirty="0">
-                <a:effectLst/>
-                <a:latin typeface="ubuntu mono derivative powerline" panose="020B0509030602030204" pitchFamily="49" charset="0"/>
-              </a:rPr>
-              <a:t>.uint8)</a:t>
-            </a:r>
-          </a:p>
-          <a:p>
-            <a:r>
-              <a:rPr lang="en-US" altLang="ko-KR" sz="1400" b="0" dirty="0">
-                <a:effectLst/>
-                <a:latin typeface="ubuntu mono derivative powerline" panose="020B0509030602030204" pitchFamily="49" charset="0"/>
-              </a:rPr>
-              <a:t>title = "Trackbar Event"</a:t>
-            </a:r>
-          </a:p>
-          <a:p>
-            <a:endParaRPr lang="en-US" altLang="ko-KR" sz="1400" b="0" dirty="0">
-              <a:effectLst/>
-              <a:latin typeface="ubuntu mono derivative powerline" panose="020B0509030602030204" pitchFamily="49" charset="0"/>
-            </a:endParaRPr>
-          </a:p>
-          <a:p>
-            <a:r>
-              <a:rPr lang="en-US" altLang="ko-KR" sz="1400" b="0" dirty="0">
-                <a:solidFill>
-                  <a:srgbClr val="7030A0"/>
-                </a:solidFill>
-                <a:effectLst/>
-                <a:latin typeface="ubuntu mono derivative powerline" panose="020B0509030602030204" pitchFamily="49" charset="0"/>
-              </a:rPr>
-              <a:t>cv2</a:t>
-            </a:r>
-            <a:r>
-              <a:rPr lang="en-US" altLang="ko-KR" sz="1400" b="0" dirty="0">
-                <a:effectLst/>
-                <a:latin typeface="ubuntu mono derivative powerline" panose="020B0509030602030204" pitchFamily="49" charset="0"/>
-              </a:rPr>
-              <a:t>.</a:t>
-            </a:r>
-            <a:r>
-              <a:rPr lang="en-US" altLang="ko-KR" sz="1400" b="0" dirty="0">
-                <a:solidFill>
-                  <a:srgbClr val="0000FF"/>
-                </a:solidFill>
-                <a:effectLst/>
-                <a:latin typeface="ubuntu mono derivative powerline" panose="020B0509030602030204" pitchFamily="49" charset="0"/>
-              </a:rPr>
-              <a:t>imshow</a:t>
-            </a:r>
-            <a:r>
-              <a:rPr lang="en-US" altLang="ko-KR" sz="1400" b="0" dirty="0">
-                <a:effectLst/>
-                <a:latin typeface="ubuntu mono derivative powerline" panose="020B0509030602030204" pitchFamily="49" charset="0"/>
-              </a:rPr>
-              <a:t>(title, image)</a:t>
-            </a:r>
-            <a:br>
-              <a:rPr lang="en-US" altLang="ko-KR" sz="1400" b="0" dirty="0">
-                <a:effectLst/>
-                <a:latin typeface="ubuntu mono derivative powerline" panose="020B0509030602030204" pitchFamily="49" charset="0"/>
-              </a:rPr>
-            </a:br>
-            <a:r>
-              <a:rPr lang="en-US" altLang="ko-KR" sz="1400" b="0" dirty="0">
-                <a:solidFill>
-                  <a:srgbClr val="7030A0"/>
-                </a:solidFill>
-                <a:effectLst/>
-                <a:latin typeface="ubuntu mono derivative powerline" panose="020B0509030602030204" pitchFamily="49" charset="0"/>
-              </a:rPr>
-              <a:t>cv2</a:t>
-            </a:r>
-            <a:r>
-              <a:rPr lang="en-US" altLang="ko-KR" sz="1400" b="0" dirty="0">
-                <a:effectLst/>
-                <a:latin typeface="ubuntu mono derivative powerline" panose="020B0509030602030204" pitchFamily="49" charset="0"/>
-              </a:rPr>
-              <a:t>.</a:t>
-            </a:r>
-            <a:r>
-              <a:rPr lang="en-US" altLang="ko-KR" sz="1400" b="0" dirty="0">
-                <a:solidFill>
-                  <a:srgbClr val="0000FF"/>
-                </a:solidFill>
-                <a:effectLst/>
-                <a:latin typeface="ubuntu mono derivative powerline" panose="020B0509030602030204" pitchFamily="49" charset="0"/>
-              </a:rPr>
-              <a:t>createTrackbar</a:t>
-            </a:r>
-            <a:r>
-              <a:rPr lang="en-US" altLang="ko-KR" sz="1400" b="0" dirty="0">
-                <a:effectLst/>
-                <a:latin typeface="ubuntu mono derivative powerline" panose="020B0509030602030204" pitchFamily="49" charset="0"/>
-              </a:rPr>
-              <a:t>("Brightness", title, image[0][0], 255, </a:t>
-            </a:r>
-            <a:r>
-              <a:rPr lang="en-US" altLang="ko-KR" sz="1400" b="0" dirty="0" err="1">
-                <a:effectLst/>
-                <a:latin typeface="ubuntu mono derivative powerline" panose="020B0509030602030204" pitchFamily="49" charset="0"/>
-              </a:rPr>
-              <a:t>onChange</a:t>
-            </a:r>
-            <a:r>
-              <a:rPr lang="en-US" altLang="ko-KR" sz="1400" b="0" dirty="0">
-                <a:effectLst/>
-                <a:latin typeface="ubuntu mono derivative powerline" panose="020B0509030602030204" pitchFamily="49" charset="0"/>
-              </a:rPr>
-              <a:t>)</a:t>
-            </a:r>
-          </a:p>
-          <a:p>
-            <a:r>
-              <a:rPr lang="en-US" altLang="ko-KR" sz="1400" b="0" dirty="0">
-                <a:solidFill>
-                  <a:srgbClr val="7030A0"/>
-                </a:solidFill>
-                <a:effectLst/>
-                <a:latin typeface="ubuntu mono derivative powerline" panose="020B0509030602030204" pitchFamily="49" charset="0"/>
-              </a:rPr>
-              <a:t>cv2</a:t>
-            </a:r>
-            <a:r>
-              <a:rPr lang="en-US" altLang="ko-KR" sz="1400" b="0" dirty="0">
-                <a:effectLst/>
-                <a:latin typeface="ubuntu mono derivative powerline" panose="020B0509030602030204" pitchFamily="49" charset="0"/>
-              </a:rPr>
-              <a:t>.</a:t>
-            </a:r>
-            <a:r>
-              <a:rPr lang="en-US" altLang="ko-KR" sz="1400" b="0" dirty="0">
-                <a:solidFill>
-                  <a:srgbClr val="0000FF"/>
-                </a:solidFill>
-                <a:effectLst/>
-                <a:latin typeface="ubuntu mono derivative powerline" panose="020B0509030602030204" pitchFamily="49" charset="0"/>
-              </a:rPr>
-              <a:t>waitKey</a:t>
-            </a:r>
-            <a:r>
-              <a:rPr lang="en-US" altLang="ko-KR" sz="1400" b="0" dirty="0">
-                <a:effectLst/>
-                <a:latin typeface="ubuntu mono derivative powerline" panose="020B0509030602030204" pitchFamily="49" charset="0"/>
-              </a:rPr>
-              <a:t>(0)</a:t>
-            </a:r>
-          </a:p>
-          <a:p>
-            <a:r>
-              <a:rPr lang="en-US" altLang="ko-KR" sz="1400" b="0" dirty="0">
-                <a:solidFill>
-                  <a:srgbClr val="7030A0"/>
-                </a:solidFill>
-                <a:effectLst/>
-                <a:latin typeface="ubuntu mono derivative powerline" panose="020B0509030602030204" pitchFamily="49" charset="0"/>
-              </a:rPr>
-              <a:t>cv2</a:t>
-            </a:r>
-            <a:r>
-              <a:rPr lang="en-US" altLang="ko-KR" sz="1400" b="0" dirty="0">
-                <a:effectLst/>
-                <a:latin typeface="ubuntu mono derivative powerline" panose="020B0509030602030204" pitchFamily="49" charset="0"/>
-              </a:rPr>
-              <a:t>.</a:t>
-            </a:r>
-            <a:r>
-              <a:rPr lang="en-US" altLang="ko-KR" sz="1400" b="0" dirty="0">
-                <a:solidFill>
-                  <a:srgbClr val="0000FF"/>
-                </a:solidFill>
-                <a:effectLst/>
-                <a:latin typeface="ubuntu mono derivative powerline" panose="020B0509030602030204" pitchFamily="49" charset="0"/>
-              </a:rPr>
-              <a:t>destroyAllWindows</a:t>
-            </a:r>
-            <a:r>
-              <a:rPr lang="en-US" altLang="ko-KR" sz="1400" b="0" dirty="0">
-                <a:effectLst/>
-                <a:latin typeface="ubuntu mono derivative powerline" panose="020B0509030602030204" pitchFamily="49" charset="0"/>
-              </a:rPr>
-              <a:t>()</a:t>
+              <a:rPr lang="en-US" altLang="ko-KR" sz="1600" b="0" dirty="0">
+                <a:effectLst/>
+                <a:latin typeface="ubuntu mono derivative powerline" panose="020B0509030602030204" pitchFamily="49" charset="0"/>
+              </a:rPr>
+              <a:t>pt1, pt2 = (50, 50), (250, 150)</a:t>
+            </a:r>
+          </a:p>
+          <a:p>
+            <a:r>
+              <a:rPr lang="en-US" altLang="ko-KR" sz="1600" b="0" dirty="0">
+                <a:effectLst/>
+                <a:latin typeface="ubuntu mono derivative powerline" panose="020B0509030602030204" pitchFamily="49" charset="0"/>
+              </a:rPr>
+              <a:t>pt3, pt4 = (400, 150), (500, 50)</a:t>
+            </a:r>
+          </a:p>
+          <a:p>
+            <a:r>
+              <a:rPr lang="en-US" altLang="ko-KR" sz="1600" b="0" dirty="0" err="1">
+                <a:effectLst/>
+                <a:latin typeface="ubuntu mono derivative powerline" panose="020B0509030602030204" pitchFamily="49" charset="0"/>
+              </a:rPr>
+              <a:t>roi</a:t>
+            </a:r>
+            <a:r>
+              <a:rPr lang="en-US" altLang="ko-KR" sz="1600" b="0" dirty="0">
+                <a:effectLst/>
+                <a:latin typeface="ubuntu mono derivative powerline" panose="020B0509030602030204" pitchFamily="49" charset="0"/>
+              </a:rPr>
+              <a:t> = (50, 200, 200, 100)</a:t>
+            </a:r>
+          </a:p>
+        </p:txBody>
+      </p:sp>
+    </p:spTree>
+    <p:extLst>
+      <p:ext uri="{BB962C8B-B14F-4D97-AF65-F5344CB8AC3E}">
+        <p14:creationId xmlns:p14="http://schemas.microsoft.com/office/powerpoint/2010/main" val="1562221274"/>
+      </p:ext>
+    </p:extLst>
+  </p:cSld>
+  <p:clrMapOvr>
+    <a:masterClrMapping/>
+  </p:clrMapOvr>
+</p:sld>
+</file>
+
+<file path=ppt/slides/slide27.xml><?xml version="1.0" encoding="utf-8"?>
+<p:sld xmlns:a="http://schemas.openxmlformats.org/drawingml/2006/main" xmlns:r="http://schemas.openxmlformats.org/officeDocument/2006/relationships" xmlns:p="http://schemas.openxmlformats.org/presentationml/2006/main">
+  <p:cSld>
+    <p:spTree>
+      <p:nvGrpSpPr>
+        <p:cNvPr id="1" name=""/>
+        <p:cNvGrpSpPr/>
+        <p:nvPr/>
+      </p:nvGrpSpPr>
+      <p:grpSpPr>
+        <a:xfrm>
+          <a:off x="0" y="0"/>
+          <a:ext cx="0" cy="0"/>
+          <a:chOff x="0" y="0"/>
+          <a:chExt cx="0" cy="0"/>
+        </a:xfrm>
+      </p:grpSpPr>
+      <p:sp>
+        <p:nvSpPr>
+          <p:cNvPr id="2" name="제목 1"/>
+          <p:cNvSpPr>
+            <a:spLocks noGrp="1"/>
+          </p:cNvSpPr>
+          <p:nvPr>
+            <p:ph type="title"/>
+          </p:nvPr>
+        </p:nvSpPr>
+        <p:spPr/>
+        <p:txBody>
+          <a:bodyPr/>
+          <a:lstStyle/>
+          <a:p>
+            <a:r>
+              <a:rPr lang="en-US" altLang="ko-KR" dirty="0"/>
+              <a:t>4. </a:t>
+            </a:r>
+            <a:r>
+              <a:rPr lang="ko-KR" altLang="en-US" dirty="0"/>
+              <a:t>인터페이스 기초</a:t>
             </a:r>
           </a:p>
         </p:txBody>
       </p:sp>
       <p:sp>
         <p:nvSpPr>
-          <p:cNvPr id="5" name="직사각형 4">
+          <p:cNvPr id="3" name="내용 개체 틀 2"/>
+          <p:cNvSpPr>
+            <a:spLocks noGrp="1"/>
+          </p:cNvSpPr>
+          <p:nvPr>
+            <p:ph idx="1"/>
+          </p:nvPr>
+        </p:nvSpPr>
+        <p:spPr/>
+        <p:txBody>
+          <a:bodyPr>
+            <a:normAutofit/>
+          </a:bodyPr>
+          <a:lstStyle/>
+          <a:p>
+            <a:r>
+              <a:rPr lang="en-US" altLang="ko-KR" dirty="0"/>
+              <a:t>4.3 </a:t>
+            </a:r>
+            <a:r>
+              <a:rPr lang="ko-KR" altLang="en-US" dirty="0"/>
+              <a:t>그리기 함수</a:t>
+            </a:r>
+            <a:endParaRPr lang="en-US" altLang="ko-KR" dirty="0"/>
+          </a:p>
+          <a:p>
+            <a:pPr lvl="1"/>
+            <a:r>
+              <a:rPr lang="en-US" altLang="ko-KR" dirty="0"/>
+              <a:t>4.3.1 </a:t>
+            </a:r>
+            <a:r>
+              <a:rPr lang="ko-KR" altLang="en-US" dirty="0"/>
+              <a:t>직선 및 사각형 그리기</a:t>
+            </a:r>
+            <a:endParaRPr lang="en-US" altLang="ko-KR" dirty="0"/>
+          </a:p>
+        </p:txBody>
+      </p:sp>
+      <p:sp>
+        <p:nvSpPr>
+          <p:cNvPr id="4" name="직사각형 3">
             <a:extLst>
               <a:ext uri="{FF2B5EF4-FFF2-40B4-BE49-F238E27FC236}">
-                <a16:creationId xmlns:a16="http://schemas.microsoft.com/office/drawing/2014/main" id="{18E87BEF-4642-04F1-8919-760E4C166064}"/>
+                <a16:creationId xmlns:a16="http://schemas.microsoft.com/office/drawing/2014/main" id="{64FCAE03-D95D-374F-6DE9-F428C178B308}"/>
               </a:ext>
             </a:extLst>
           </p:cNvPr>
@@ -21524,62 +21389,8 @@
         </p:nvSpPr>
         <p:spPr>
           <a:xfrm>
-            <a:off x="1259632" y="3217540"/>
-            <a:ext cx="1471993" cy="196992"/>
-          </a:xfrm>
-          <a:prstGeom prst="rect">
-            <a:avLst/>
-          </a:prstGeom>
-          <a:solidFill>
-            <a:srgbClr val="FFFFFF"/>
-          </a:solidFill>
-          <a:ln>
-            <a:solidFill>
-              <a:srgbClr val="0000FF"/>
-            </a:solidFill>
-          </a:ln>
-        </p:spPr>
-        <p:style>
-          <a:lnRef idx="2">
-            <a:schemeClr val="accent1">
-              <a:shade val="50000"/>
-            </a:schemeClr>
-          </a:lnRef>
-          <a:fillRef idx="1">
-            <a:schemeClr val="accent1"/>
-          </a:fillRef>
-          <a:effectRef idx="0">
-            <a:schemeClr val="accent1"/>
-          </a:effectRef>
-          <a:fontRef idx="minor">
-            <a:schemeClr val="lt1"/>
-          </a:fontRef>
-        </p:style>
-        <p:txBody>
-          <a:bodyPr rtlCol="0" anchor="ctr"/>
-          <a:lstStyle/>
-          <a:p>
-            <a:pPr algn="ctr"/>
-            <a:endParaRPr lang="ko-KR" altLang="en-US"/>
-          </a:p>
-        </p:txBody>
-      </p:sp>
-      <p:sp>
-        <p:nvSpPr>
-          <p:cNvPr id="8" name="직사각형 7">
-            <a:extLst>
-              <a:ext uri="{FF2B5EF4-FFF2-40B4-BE49-F238E27FC236}">
-                <a16:creationId xmlns:a16="http://schemas.microsoft.com/office/drawing/2014/main" id="{0933AEA5-EFF1-0981-5E4D-C16611A9F4FC}"/>
-              </a:ext>
-            </a:extLst>
-          </p:cNvPr>
-          <p:cNvSpPr/>
-          <p:nvPr/>
-        </p:nvSpPr>
-        <p:spPr>
-          <a:xfrm>
-            <a:off x="3635896" y="3100973"/>
-            <a:ext cx="4896544" cy="338554"/>
+            <a:off x="827584" y="2065412"/>
+            <a:ext cx="6480720" cy="3046988"/>
           </a:xfrm>
           <a:prstGeom prst="rect">
             <a:avLst/>
@@ -21592,41 +21403,474 @@
           <a:lstStyle/>
           <a:p>
             <a:r>
-              <a:rPr lang="en-US" altLang="ko-KR" sz="1600" dirty="0">
-                <a:solidFill>
-                  <a:srgbClr val="00B050"/>
-                </a:solidFill>
+              <a:rPr lang="en-US" altLang="ko-KR" sz="1600" b="0" dirty="0">
+                <a:solidFill>
+                  <a:srgbClr val="00B050"/>
+                </a:solidFill>
+                <a:effectLst/>
                 <a:latin typeface="ubuntu mono derivative powerline" panose="020B0509030602030204" pitchFamily="49" charset="0"/>
               </a:rPr>
               <a:t># </a:t>
             </a:r>
             <a:r>
-              <a:rPr lang="ko-KR" altLang="en-US" sz="1600" dirty="0" err="1">
-                <a:solidFill>
-                  <a:srgbClr val="00B050"/>
-                </a:solidFill>
-                <a:latin typeface="ubuntu mono derivative powerline" panose="020B0509030602030204" pitchFamily="49" charset="0"/>
-              </a:rPr>
-              <a:t>트랙바</a:t>
-            </a:r>
-            <a:r>
-              <a:rPr lang="ko-KR" altLang="en-US" sz="1600" dirty="0">
-                <a:solidFill>
-                  <a:srgbClr val="00B050"/>
-                </a:solidFill>
-                <a:latin typeface="ubuntu mono derivative powerline" panose="020B0509030602030204" pitchFamily="49" charset="0"/>
-              </a:rPr>
-              <a:t> 제어로 인해 변경되는 이미지 색상 적용 </a:t>
-            </a:r>
-            <a:endParaRPr lang="en-US" altLang="ko-KR" sz="1600" dirty="0">
+              <a:rPr lang="ko-KR" altLang="en-US" sz="1600" b="0" dirty="0">
+                <a:solidFill>
+                  <a:srgbClr val="00B050"/>
+                </a:solidFill>
+                <a:effectLst/>
+                <a:latin typeface="ubuntu mono derivative powerline" panose="020B0509030602030204" pitchFamily="49" charset="0"/>
+              </a:rPr>
+              <a:t>사각형 그리기</a:t>
+            </a:r>
+            <a:endParaRPr lang="en-US" altLang="ko-KR" sz="1600" b="0" dirty="0">
               <a:solidFill>
                 <a:srgbClr val="00B050"/>
               </a:solidFill>
+              <a:effectLst/>
               <a:latin typeface="ubuntu mono derivative powerline" panose="020B0509030602030204" pitchFamily="49" charset="0"/>
             </a:endParaRPr>
           </a:p>
+          <a:p>
+            <a:r>
+              <a:rPr lang="en-US" altLang="ko-KR" sz="1600" b="0" dirty="0">
+                <a:solidFill>
+                  <a:srgbClr val="7030A0"/>
+                </a:solidFill>
+                <a:effectLst/>
+                <a:latin typeface="ubuntu mono derivative powerline" panose="020B0509030602030204" pitchFamily="49" charset="0"/>
+              </a:rPr>
+              <a:t>cv2</a:t>
+            </a:r>
+            <a:r>
+              <a:rPr lang="en-US" altLang="ko-KR" sz="1600" b="0" dirty="0">
+                <a:effectLst/>
+                <a:latin typeface="ubuntu mono derivative powerline" panose="020B0509030602030204" pitchFamily="49" charset="0"/>
+              </a:rPr>
+              <a:t>.</a:t>
+            </a:r>
+            <a:r>
+              <a:rPr lang="en-US" altLang="ko-KR" sz="1600" b="0" dirty="0">
+                <a:solidFill>
+                  <a:srgbClr val="0000FF"/>
+                </a:solidFill>
+                <a:effectLst/>
+                <a:latin typeface="ubuntu mono derivative powerline" panose="020B0509030602030204" pitchFamily="49" charset="0"/>
+              </a:rPr>
+              <a:t>rectangle</a:t>
+            </a:r>
+            <a:r>
+              <a:rPr lang="en-US" altLang="ko-KR" sz="1600" b="0" dirty="0">
+                <a:effectLst/>
+                <a:latin typeface="ubuntu mono derivative powerline" panose="020B0509030602030204" pitchFamily="49" charset="0"/>
+              </a:rPr>
+              <a:t>(image, pt1, pt2, blue, 3, </a:t>
+            </a:r>
+            <a:r>
+              <a:rPr lang="en-US" altLang="ko-KR" sz="1600" b="0" dirty="0">
+                <a:solidFill>
+                  <a:srgbClr val="7030A0"/>
+                </a:solidFill>
+                <a:effectLst/>
+                <a:latin typeface="ubuntu mono derivative powerline" panose="020B0509030602030204" pitchFamily="49" charset="0"/>
+              </a:rPr>
+              <a:t>cv2</a:t>
+            </a:r>
+            <a:r>
+              <a:rPr lang="en-US" altLang="ko-KR" sz="1600" b="0" dirty="0">
+                <a:effectLst/>
+                <a:latin typeface="ubuntu mono derivative powerline" panose="020B0509030602030204" pitchFamily="49" charset="0"/>
+              </a:rPr>
+              <a:t>.LINE_4)</a:t>
+            </a:r>
+          </a:p>
+          <a:p>
+            <a:r>
+              <a:rPr lang="en-US" altLang="ko-KR" sz="1600" b="0" dirty="0">
+                <a:solidFill>
+                  <a:srgbClr val="7030A0"/>
+                </a:solidFill>
+                <a:effectLst/>
+                <a:latin typeface="ubuntu mono derivative powerline" panose="020B0509030602030204" pitchFamily="49" charset="0"/>
+              </a:rPr>
+              <a:t>cv2</a:t>
+            </a:r>
+            <a:r>
+              <a:rPr lang="en-US" altLang="ko-KR" sz="1600" b="0" dirty="0">
+                <a:effectLst/>
+                <a:latin typeface="ubuntu mono derivative powerline" panose="020B0509030602030204" pitchFamily="49" charset="0"/>
+              </a:rPr>
+              <a:t>.</a:t>
+            </a:r>
+            <a:r>
+              <a:rPr lang="en-US" altLang="ko-KR" sz="1600" b="0" dirty="0">
+                <a:solidFill>
+                  <a:srgbClr val="0000FF"/>
+                </a:solidFill>
+                <a:effectLst/>
+                <a:latin typeface="ubuntu mono derivative powerline" panose="020B0509030602030204" pitchFamily="49" charset="0"/>
+              </a:rPr>
+              <a:t>rectangle</a:t>
+            </a:r>
+            <a:r>
+              <a:rPr lang="en-US" altLang="ko-KR" sz="1600" b="0" dirty="0">
+                <a:effectLst/>
+                <a:latin typeface="ubuntu mono derivative powerline" panose="020B0509030602030204" pitchFamily="49" charset="0"/>
+              </a:rPr>
+              <a:t>(image, </a:t>
+            </a:r>
+            <a:r>
+              <a:rPr lang="en-US" altLang="ko-KR" sz="1600" b="0" dirty="0" err="1">
+                <a:effectLst/>
+                <a:latin typeface="ubuntu mono derivative powerline" panose="020B0509030602030204" pitchFamily="49" charset="0"/>
+              </a:rPr>
+              <a:t>roi</a:t>
+            </a:r>
+            <a:r>
+              <a:rPr lang="en-US" altLang="ko-KR" sz="1600" b="0" dirty="0">
+                <a:effectLst/>
+                <a:latin typeface="ubuntu mono derivative powerline" panose="020B0509030602030204" pitchFamily="49" charset="0"/>
+              </a:rPr>
+              <a:t>, red, 3, </a:t>
+            </a:r>
+            <a:r>
+              <a:rPr lang="en-US" altLang="ko-KR" sz="1600" b="0" dirty="0">
+                <a:solidFill>
+                  <a:srgbClr val="7030A0"/>
+                </a:solidFill>
+                <a:effectLst/>
+                <a:latin typeface="ubuntu mono derivative powerline" panose="020B0509030602030204" pitchFamily="49" charset="0"/>
+              </a:rPr>
+              <a:t>cv2</a:t>
+            </a:r>
+            <a:r>
+              <a:rPr lang="en-US" altLang="ko-KR" sz="1600" b="0" dirty="0">
+                <a:effectLst/>
+                <a:latin typeface="ubuntu mono derivative powerline" panose="020B0509030602030204" pitchFamily="49" charset="0"/>
+              </a:rPr>
+              <a:t>.LINE_8)</a:t>
+            </a:r>
+          </a:p>
+          <a:p>
+            <a:r>
+              <a:rPr lang="en-US" altLang="ko-KR" sz="1600" b="0" dirty="0">
+                <a:solidFill>
+                  <a:srgbClr val="7030A0"/>
+                </a:solidFill>
+                <a:effectLst/>
+                <a:latin typeface="ubuntu mono derivative powerline" panose="020B0509030602030204" pitchFamily="49" charset="0"/>
+              </a:rPr>
+              <a:t>cv2</a:t>
+            </a:r>
+            <a:r>
+              <a:rPr lang="en-US" altLang="ko-KR" sz="1600" b="0" dirty="0">
+                <a:effectLst/>
+                <a:latin typeface="ubuntu mono derivative powerline" panose="020B0509030602030204" pitchFamily="49" charset="0"/>
+              </a:rPr>
+              <a:t>.</a:t>
+            </a:r>
+            <a:r>
+              <a:rPr lang="en-US" altLang="ko-KR" sz="1600" b="0" dirty="0">
+                <a:solidFill>
+                  <a:srgbClr val="0000FF"/>
+                </a:solidFill>
+                <a:effectLst/>
+                <a:latin typeface="ubuntu mono derivative powerline" panose="020B0509030602030204" pitchFamily="49" charset="0"/>
+              </a:rPr>
+              <a:t>rectangle</a:t>
+            </a:r>
+            <a:r>
+              <a:rPr lang="en-US" altLang="ko-KR" sz="1600" b="0" dirty="0">
+                <a:effectLst/>
+                <a:latin typeface="ubuntu mono derivative powerline" panose="020B0509030602030204" pitchFamily="49" charset="0"/>
+              </a:rPr>
+              <a:t>(image, (400, 200, 100, 100), green, </a:t>
+            </a:r>
+            <a:r>
+              <a:rPr lang="en-US" altLang="ko-KR" sz="1600" b="0" dirty="0">
+                <a:solidFill>
+                  <a:srgbClr val="7030A0"/>
+                </a:solidFill>
+                <a:effectLst/>
+                <a:latin typeface="ubuntu mono derivative powerline" panose="020B0509030602030204" pitchFamily="49" charset="0"/>
+              </a:rPr>
+              <a:t>cv2</a:t>
+            </a:r>
+            <a:r>
+              <a:rPr lang="en-US" altLang="ko-KR" sz="1600" b="0" dirty="0">
+                <a:effectLst/>
+                <a:latin typeface="ubuntu mono derivative powerline" panose="020B0509030602030204" pitchFamily="49" charset="0"/>
+              </a:rPr>
+              <a:t>.FILLED)</a:t>
+            </a:r>
+          </a:p>
+          <a:p>
+            <a:endParaRPr lang="en-US" altLang="ko-KR" sz="1600" b="0" dirty="0">
+              <a:effectLst/>
+              <a:latin typeface="ubuntu mono derivative powerline" panose="020B0509030602030204" pitchFamily="49" charset="0"/>
+            </a:endParaRPr>
+          </a:p>
+          <a:p>
+            <a:r>
+              <a:rPr lang="en-US" altLang="ko-KR" sz="1600" dirty="0">
+                <a:solidFill>
+                  <a:srgbClr val="00B050"/>
+                </a:solidFill>
+                <a:latin typeface="ubuntu mono derivative powerline" panose="020B0509030602030204" pitchFamily="49" charset="0"/>
+              </a:rPr>
+              <a:t># </a:t>
+            </a:r>
+            <a:r>
+              <a:rPr lang="ko-KR" altLang="en-US" sz="1600" dirty="0">
+                <a:solidFill>
+                  <a:srgbClr val="00B050"/>
+                </a:solidFill>
+                <a:latin typeface="ubuntu mono derivative powerline" panose="020B0509030602030204" pitchFamily="49" charset="0"/>
+              </a:rPr>
+              <a:t>직선 그리기</a:t>
+            </a:r>
+            <a:endParaRPr lang="en-US" altLang="ko-KR" sz="1600" b="0" dirty="0">
+              <a:solidFill>
+                <a:srgbClr val="00B050"/>
+              </a:solidFill>
+              <a:effectLst/>
+              <a:latin typeface="ubuntu mono derivative powerline" panose="020B0509030602030204" pitchFamily="49" charset="0"/>
+            </a:endParaRPr>
+          </a:p>
+          <a:p>
+            <a:r>
+              <a:rPr lang="en-US" altLang="ko-KR" sz="1600" b="0" dirty="0">
+                <a:solidFill>
+                  <a:srgbClr val="7030A0"/>
+                </a:solidFill>
+                <a:effectLst/>
+                <a:latin typeface="ubuntu mono derivative powerline" panose="020B0509030602030204" pitchFamily="49" charset="0"/>
+              </a:rPr>
+              <a:t>cv2</a:t>
+            </a:r>
+            <a:r>
+              <a:rPr lang="en-US" altLang="ko-KR" sz="1600" b="0" dirty="0">
+                <a:effectLst/>
+                <a:latin typeface="ubuntu mono derivative powerline" panose="020B0509030602030204" pitchFamily="49" charset="0"/>
+              </a:rPr>
+              <a:t>.</a:t>
+            </a:r>
+            <a:r>
+              <a:rPr lang="en-US" altLang="ko-KR" sz="1600" b="0" dirty="0">
+                <a:solidFill>
+                  <a:srgbClr val="0000FF"/>
+                </a:solidFill>
+                <a:effectLst/>
+                <a:latin typeface="ubuntu mono derivative powerline" panose="020B0509030602030204" pitchFamily="49" charset="0"/>
+              </a:rPr>
+              <a:t>line</a:t>
+            </a:r>
+            <a:r>
+              <a:rPr lang="en-US" altLang="ko-KR" sz="1600" b="0" dirty="0">
+                <a:effectLst/>
+                <a:latin typeface="ubuntu mono derivative powerline" panose="020B0509030602030204" pitchFamily="49" charset="0"/>
+              </a:rPr>
+              <a:t>(image, pt1, pt2, red)</a:t>
+            </a:r>
+          </a:p>
+          <a:p>
+            <a:r>
+              <a:rPr lang="en-US" altLang="ko-KR" sz="1600" b="0" dirty="0">
+                <a:solidFill>
+                  <a:srgbClr val="7030A0"/>
+                </a:solidFill>
+                <a:effectLst/>
+                <a:latin typeface="ubuntu mono derivative powerline" panose="020B0509030602030204" pitchFamily="49" charset="0"/>
+              </a:rPr>
+              <a:t>cv2</a:t>
+            </a:r>
+            <a:r>
+              <a:rPr lang="en-US" altLang="ko-KR" sz="1600" b="0" dirty="0">
+                <a:effectLst/>
+                <a:latin typeface="ubuntu mono derivative powerline" panose="020B0509030602030204" pitchFamily="49" charset="0"/>
+              </a:rPr>
+              <a:t>.</a:t>
+            </a:r>
+            <a:r>
+              <a:rPr lang="en-US" altLang="ko-KR" sz="1600" b="0" dirty="0">
+                <a:solidFill>
+                  <a:srgbClr val="0000FF"/>
+                </a:solidFill>
+                <a:effectLst/>
+                <a:latin typeface="ubuntu mono derivative powerline" panose="020B0509030602030204" pitchFamily="49" charset="0"/>
+              </a:rPr>
+              <a:t>line</a:t>
+            </a:r>
+            <a:r>
+              <a:rPr lang="en-US" altLang="ko-KR" sz="1600" b="0" dirty="0">
+                <a:effectLst/>
+                <a:latin typeface="ubuntu mono derivative powerline" panose="020B0509030602030204" pitchFamily="49" charset="0"/>
+              </a:rPr>
+              <a:t>(image, pt3, pt4, </a:t>
+            </a:r>
+            <a:r>
+              <a:rPr lang="en-US" altLang="ko-KR" sz="1600" b="0" dirty="0">
+                <a:solidFill>
+                  <a:srgbClr val="7030A0"/>
+                </a:solidFill>
+                <a:effectLst/>
+                <a:latin typeface="ubuntu mono derivative powerline" panose="020B0509030602030204" pitchFamily="49" charset="0"/>
+              </a:rPr>
+              <a:t>cv2</a:t>
+            </a:r>
+            <a:r>
+              <a:rPr lang="en-US" altLang="ko-KR" sz="1600" b="0" dirty="0">
+                <a:effectLst/>
+                <a:latin typeface="ubuntu mono derivative powerline" panose="020B0509030602030204" pitchFamily="49" charset="0"/>
+              </a:rPr>
+              <a:t>.LINE_AA)</a:t>
+            </a:r>
+          </a:p>
+          <a:p>
+            <a:br>
+              <a:rPr lang="en-US" altLang="ko-KR" sz="1600" b="0" dirty="0">
+                <a:effectLst/>
+                <a:latin typeface="ubuntu mono derivative powerline" panose="020B0509030602030204" pitchFamily="49" charset="0"/>
+              </a:rPr>
+            </a:br>
+            <a:r>
+              <a:rPr lang="en-US" altLang="ko-KR" sz="1600" b="0" dirty="0">
+                <a:solidFill>
+                  <a:srgbClr val="7030A0"/>
+                </a:solidFill>
+                <a:effectLst/>
+                <a:latin typeface="ubuntu mono derivative powerline" panose="020B0509030602030204" pitchFamily="49" charset="0"/>
+              </a:rPr>
+              <a:t>cv2</a:t>
+            </a:r>
+            <a:r>
+              <a:rPr lang="en-US" altLang="ko-KR" sz="1600" b="0" dirty="0">
+                <a:effectLst/>
+                <a:latin typeface="ubuntu mono derivative powerline" panose="020B0509030602030204" pitchFamily="49" charset="0"/>
+              </a:rPr>
+              <a:t>.</a:t>
+            </a:r>
+            <a:r>
+              <a:rPr lang="en-US" altLang="ko-KR" sz="1600" b="0" dirty="0">
+                <a:solidFill>
+                  <a:srgbClr val="0000FF"/>
+                </a:solidFill>
+                <a:effectLst/>
+                <a:latin typeface="ubuntu mono derivative powerline" panose="020B0509030602030204" pitchFamily="49" charset="0"/>
+              </a:rPr>
+              <a:t>imshow</a:t>
+            </a:r>
+            <a:r>
+              <a:rPr lang="en-US" altLang="ko-KR" sz="1600" b="0" dirty="0">
+                <a:effectLst/>
+                <a:latin typeface="ubuntu mono derivative powerline" panose="020B0509030602030204" pitchFamily="49" charset="0"/>
+              </a:rPr>
+              <a:t>("Line &amp; Rectangle", image)</a:t>
+            </a:r>
+          </a:p>
+          <a:p>
+            <a:r>
+              <a:rPr lang="en-US" altLang="ko-KR" sz="1600" b="0" dirty="0">
+                <a:solidFill>
+                  <a:srgbClr val="7030A0"/>
+                </a:solidFill>
+                <a:effectLst/>
+                <a:latin typeface="ubuntu mono derivative powerline" panose="020B0509030602030204" pitchFamily="49" charset="0"/>
+              </a:rPr>
+              <a:t>cv2</a:t>
+            </a:r>
+            <a:r>
+              <a:rPr lang="en-US" altLang="ko-KR" sz="1600" b="0" dirty="0">
+                <a:effectLst/>
+                <a:latin typeface="ubuntu mono derivative powerline" panose="020B0509030602030204" pitchFamily="49" charset="0"/>
+              </a:rPr>
+              <a:t>.</a:t>
+            </a:r>
+            <a:r>
+              <a:rPr lang="en-US" altLang="ko-KR" sz="1600" b="0" dirty="0">
+                <a:solidFill>
+                  <a:srgbClr val="0000FF"/>
+                </a:solidFill>
+                <a:effectLst/>
+                <a:latin typeface="ubuntu mono derivative powerline" panose="020B0509030602030204" pitchFamily="49" charset="0"/>
+              </a:rPr>
+              <a:t>waitKey</a:t>
+            </a:r>
+            <a:r>
+              <a:rPr lang="en-US" altLang="ko-KR" sz="1600" b="0" dirty="0">
+                <a:effectLst/>
+                <a:latin typeface="ubuntu mono derivative powerline" panose="020B0509030602030204" pitchFamily="49" charset="0"/>
+              </a:rPr>
+              <a:t>(0)</a:t>
+            </a:r>
+          </a:p>
+          <a:p>
+            <a:r>
+              <a:rPr lang="en-US" altLang="ko-KR" sz="1600" b="0" dirty="0">
+                <a:solidFill>
+                  <a:srgbClr val="7030A0"/>
+                </a:solidFill>
+                <a:effectLst/>
+                <a:latin typeface="ubuntu mono derivative powerline" panose="020B0509030602030204" pitchFamily="49" charset="0"/>
+              </a:rPr>
+              <a:t>cv2</a:t>
+            </a:r>
+            <a:r>
+              <a:rPr lang="en-US" altLang="ko-KR" sz="1600" b="0" dirty="0">
+                <a:effectLst/>
+                <a:latin typeface="ubuntu mono derivative powerline" panose="020B0509030602030204" pitchFamily="49" charset="0"/>
+              </a:rPr>
+              <a:t>.</a:t>
+            </a:r>
+            <a:r>
+              <a:rPr lang="en-US" altLang="ko-KR" sz="1600" b="0" dirty="0">
+                <a:solidFill>
+                  <a:srgbClr val="0000FF"/>
+                </a:solidFill>
+                <a:effectLst/>
+                <a:latin typeface="ubuntu mono derivative powerline" panose="020B0509030602030204" pitchFamily="49" charset="0"/>
+              </a:rPr>
+              <a:t>destroyAllWindows</a:t>
+            </a:r>
+            <a:r>
+              <a:rPr lang="en-US" altLang="ko-KR" sz="1600" b="0" dirty="0">
+                <a:effectLst/>
+                <a:latin typeface="ubuntu mono derivative powerline" panose="020B0509030602030204" pitchFamily="49" charset="0"/>
+              </a:rPr>
+              <a:t>()</a:t>
+            </a:r>
+          </a:p>
         </p:txBody>
       </p:sp>
+      <p:pic>
+        <p:nvPicPr>
+          <p:cNvPr id="7" name="그림 6">
+            <a:extLst>
+              <a:ext uri="{FF2B5EF4-FFF2-40B4-BE49-F238E27FC236}">
+                <a16:creationId xmlns:a16="http://schemas.microsoft.com/office/drawing/2014/main" id="{F201CB6A-CBE9-1E40-82C3-5E817DF5D5C0}"/>
+              </a:ext>
+            </a:extLst>
+          </p:cNvPr>
+          <p:cNvPicPr>
+            <a:picLocks noChangeAspect="1"/>
+          </p:cNvPicPr>
+          <p:nvPr/>
+        </p:nvPicPr>
+        <p:blipFill>
+          <a:blip r:embed="rId2"/>
+          <a:stretch>
+            <a:fillRect/>
+          </a:stretch>
+        </p:blipFill>
+        <p:spPr>
+          <a:xfrm>
+            <a:off x="5652120" y="3184321"/>
+            <a:ext cx="3390120" cy="2432777"/>
+          </a:xfrm>
+          <a:prstGeom prst="rect">
+            <a:avLst/>
+          </a:prstGeom>
+        </p:spPr>
+      </p:pic>
     </p:spTree>
     <p:extLst>
       <p:ext uri="{BB962C8B-B14F-4D97-AF65-F5344CB8AC3E}">
@@ -21637,84 +21881,6 @@
   <p:clrMapOvr>
     <a:masterClrMapping/>
   </p:clrMapOvr>
-  <p:timing>
-    <p:tnLst>
-      <p:par>
-        <p:cTn id="1" dur="indefinite" restart="never" nodeType="tmRoot">
-          <p:childTnLst>
-            <p:seq concurrent="1" nextAc="seek">
-              <p:cTn id="2" dur="indefinite" nodeType="mainSeq">
-                <p:childTnLst>
-                  <p:par>
-                    <p:cTn id="3" fill="hold">
-                      <p:stCondLst>
-                        <p:cond delay="indefinite"/>
-                      </p:stCondLst>
-                      <p:childTnLst>
-                        <p:par>
-                          <p:cTn id="4" fill="hold">
-                            <p:stCondLst>
-                              <p:cond delay="0"/>
-                            </p:stCondLst>
-                            <p:childTnLst>
-                              <p:par>
-                                <p:cTn id="5" presetID="1" presetClass="exit" presetSubtype="0" fill="hold" grpId="0" nodeType="clickEffect">
-                                  <p:stCondLst>
-                                    <p:cond delay="0"/>
-                                  </p:stCondLst>
-                                  <p:childTnLst>
-                                    <p:set>
-                                      <p:cBhvr>
-                                        <p:cTn id="6" dur="1" fill="hold">
-                                          <p:stCondLst>
-                                            <p:cond delay="0"/>
-                                          </p:stCondLst>
-                                        </p:cTn>
-                                        <p:tgtEl>
-                                          <p:spTgt spid="5"/>
-                                        </p:tgtEl>
-                                        <p:attrNameLst>
-                                          <p:attrName>style.visibility</p:attrName>
-                                        </p:attrNameLst>
-                                      </p:cBhvr>
-                                      <p:to>
-                                        <p:strVal val="hidden"/>
-                                      </p:to>
-                                    </p:set>
-                                  </p:childTnLst>
-                                </p:cTn>
-                              </p:par>
-                            </p:childTnLst>
-                          </p:cTn>
-                        </p:par>
-                      </p:childTnLst>
-                    </p:cTn>
-                  </p:par>
-                </p:childTnLst>
-              </p:cTn>
-              <p:prevCondLst>
-                <p:cond evt="onPrev" delay="0">
-                  <p:tgtEl>
-                    <p:sldTgt/>
-                  </p:tgtEl>
-                </p:cond>
-              </p:prevCondLst>
-              <p:nextCondLst>
-                <p:cond evt="onNext" delay="0">
-                  <p:tgtEl>
-                    <p:sldTgt/>
-                  </p:tgtEl>
-                </p:cond>
-              </p:nextCondLst>
-            </p:seq>
-          </p:childTnLst>
-        </p:cTn>
-      </p:par>
-    </p:tnLst>
-    <p:bldLst>
-      <p:bldP spid="5" grpId="0" animBg="1"/>
-    </p:bldLst>
-  </p:timing>
 </p:sld>
 </file>
 
